--- a/project-plan-presentation/team-urban-science-project-plan-presentation.pptx
+++ b/project-plan-presentation/team-urban-science-project-plan-presentation.pptx
@@ -5,28 +5,29 @@
     <p:sldMasterId id="2147483648" r:id="rId1"/>
   </p:sldMasterIdLst>
   <p:notesMasterIdLst>
-    <p:notesMasterId r:id="rId15"/>
+    <p:notesMasterId r:id="rId16"/>
   </p:notesMasterIdLst>
   <p:handoutMasterIdLst>
-    <p:handoutMasterId r:id="rId16"/>
+    <p:handoutMasterId r:id="rId17"/>
   </p:handoutMasterIdLst>
   <p:sldIdLst>
     <p:sldId id="258" r:id="rId2"/>
     <p:sldId id="260" r:id="rId3"/>
     <p:sldId id="261" r:id="rId4"/>
     <p:sldId id="262" r:id="rId5"/>
-    <p:sldId id="273" r:id="rId6"/>
-    <p:sldId id="263" r:id="rId7"/>
-    <p:sldId id="275" r:id="rId8"/>
-    <p:sldId id="274" r:id="rId9"/>
-    <p:sldId id="264" r:id="rId10"/>
-    <p:sldId id="265" r:id="rId11"/>
-    <p:sldId id="266" r:id="rId12"/>
-    <p:sldId id="267" r:id="rId13"/>
-    <p:sldId id="268" r:id="rId14"/>
+    <p:sldId id="276" r:id="rId6"/>
+    <p:sldId id="273" r:id="rId7"/>
+    <p:sldId id="277" r:id="rId8"/>
+    <p:sldId id="275" r:id="rId9"/>
+    <p:sldId id="274" r:id="rId10"/>
+    <p:sldId id="264" r:id="rId11"/>
+    <p:sldId id="265" r:id="rId12"/>
+    <p:sldId id="266" r:id="rId13"/>
+    <p:sldId id="267" r:id="rId14"/>
+    <p:sldId id="268" r:id="rId15"/>
   </p:sldIdLst>
   <p:sldSz cx="9144000" cy="6858000" type="screen4x3"/>
-  <p:notesSz cx="6858000" cy="9144000"/>
+  <p:notesSz cx="7010400" cy="9296400"/>
   <p:defaultTextStyle>
     <a:defPPr>
       <a:defRPr lang="en-US"/>
@@ -162,15 +163,15 @@
         </p:nvSpPr>
         <p:spPr>
           <a:xfrm>
-            <a:off x="762000" y="0"/>
-            <a:ext cx="2462149" cy="457200"/>
+            <a:off x="778934" y="0"/>
+            <a:ext cx="2516863" cy="464820"/>
           </a:xfrm>
           <a:prstGeom prst="rect">
             <a:avLst/>
           </a:prstGeom>
         </p:spPr>
         <p:txBody>
-          <a:bodyPr vert="horz" lIns="91440" tIns="45720" rIns="91440" bIns="45720" rtlCol="0" anchor="ctr"/>
+          <a:bodyPr vert="horz" lIns="93177" tIns="46589" rIns="93177" bIns="46589" rtlCol="0" anchor="ctr"/>
           <a:lstStyle>
             <a:lvl1pPr algn="l">
               <a:defRPr sz="1200"/>
@@ -197,15 +198,15 @@
         </p:nvSpPr>
         <p:spPr>
           <a:xfrm>
-            <a:off x="3657600" y="0"/>
-            <a:ext cx="2971800" cy="457200"/>
+            <a:off x="3738880" y="0"/>
+            <a:ext cx="3037840" cy="464820"/>
           </a:xfrm>
           <a:prstGeom prst="rect">
             <a:avLst/>
           </a:prstGeom>
         </p:spPr>
         <p:txBody>
-          <a:bodyPr vert="horz" lIns="91440" tIns="45720" rIns="91440" bIns="45720" rtlCol="0" anchor="ctr"/>
+          <a:bodyPr vert="horz" lIns="93177" tIns="46589" rIns="93177" bIns="46589" rtlCol="0" anchor="ctr"/>
           <a:lstStyle>
             <a:lvl1pPr algn="r">
               <a:defRPr sz="1200"/>
@@ -232,15 +233,15 @@
         </p:nvSpPr>
         <p:spPr>
           <a:xfrm>
-            <a:off x="257300" y="8686800"/>
-            <a:ext cx="2971800" cy="457200"/>
+            <a:off x="263018" y="8831580"/>
+            <a:ext cx="3037840" cy="464820"/>
           </a:xfrm>
           <a:prstGeom prst="rect">
             <a:avLst/>
           </a:prstGeom>
         </p:spPr>
         <p:txBody>
-          <a:bodyPr vert="horz" lIns="91440" tIns="45720" rIns="91440" bIns="45720" rtlCol="0" anchor="b"/>
+          <a:bodyPr vert="horz" lIns="93177" tIns="46589" rIns="93177" bIns="46589" rtlCol="0" anchor="b"/>
           <a:lstStyle>
             <a:lvl1pPr algn="l">
               <a:defRPr sz="1200"/>
@@ -273,15 +274,15 @@
         </p:nvSpPr>
         <p:spPr>
           <a:xfrm>
-            <a:off x="3236025" y="8686800"/>
-            <a:ext cx="411480" cy="457200"/>
+            <a:off x="3307937" y="8831580"/>
+            <a:ext cx="420624" cy="464820"/>
           </a:xfrm>
           <a:prstGeom prst="rect">
             <a:avLst/>
           </a:prstGeom>
         </p:spPr>
         <p:txBody>
-          <a:bodyPr vert="horz" lIns="91440" tIns="45720" rIns="91440" bIns="45720" rtlCol="0" anchor="b"/>
+          <a:bodyPr vert="horz" lIns="93177" tIns="46589" rIns="93177" bIns="46589" rtlCol="0" anchor="b"/>
           <a:lstStyle>
             <a:lvl1pPr algn="r">
               <a:defRPr sz="1200"/>
@@ -321,8 +322,8 @@
         </p:blipFill>
         <p:spPr bwMode="auto">
           <a:xfrm>
-            <a:off x="124270" y="11875"/>
-            <a:ext cx="725805" cy="461010"/>
+            <a:off x="127032" y="12073"/>
+            <a:ext cx="741934" cy="468694"/>
           </a:xfrm>
           <a:prstGeom prst="rect">
             <a:avLst/>
@@ -347,8 +348,8 @@
         </p:nvSpPr>
         <p:spPr>
           <a:xfrm>
-            <a:off x="3657600" y="8686800"/>
-            <a:ext cx="2971800" cy="457200"/>
+            <a:off x="3738880" y="8831580"/>
+            <a:ext cx="3037840" cy="464820"/>
           </a:xfrm>
           <a:prstGeom prst="rect">
             <a:avLst/>
@@ -356,7 +357,7 @@
           <a:noFill/>
         </p:spPr>
         <p:txBody>
-          <a:bodyPr wrap="square" rtlCol="0" anchor="b">
+          <a:bodyPr wrap="square" lIns="93177" tIns="46589" rIns="93177" bIns="46589" rtlCol="0" anchor="b">
             <a:noAutofit/>
           </a:bodyPr>
           <a:lstStyle/>
@@ -424,14 +425,14 @@
         <p:spPr>
           <a:xfrm>
             <a:off x="0" y="0"/>
-            <a:ext cx="2971800" cy="457200"/>
+            <a:ext cx="3037840" cy="464820"/>
           </a:xfrm>
           <a:prstGeom prst="rect">
             <a:avLst/>
           </a:prstGeom>
         </p:spPr>
         <p:txBody>
-          <a:bodyPr vert="horz" lIns="91440" tIns="45720" rIns="91440" bIns="45720" rtlCol="0"/>
+          <a:bodyPr vert="horz" lIns="93177" tIns="46589" rIns="93177" bIns="46589" rtlCol="0"/>
           <a:lstStyle>
             <a:lvl1pPr algn="l">
               <a:defRPr sz="1200"/>
@@ -458,15 +459,15 @@
         </p:nvSpPr>
         <p:spPr>
           <a:xfrm>
-            <a:off x="3884613" y="0"/>
-            <a:ext cx="2971800" cy="457200"/>
+            <a:off x="3970938" y="0"/>
+            <a:ext cx="3037840" cy="464820"/>
           </a:xfrm>
           <a:prstGeom prst="rect">
             <a:avLst/>
           </a:prstGeom>
         </p:spPr>
         <p:txBody>
-          <a:bodyPr vert="horz" lIns="91440" tIns="45720" rIns="91440" bIns="45720" rtlCol="0"/>
+          <a:bodyPr vert="horz" lIns="93177" tIns="46589" rIns="93177" bIns="46589" rtlCol="0"/>
           <a:lstStyle>
             <a:lvl1pPr algn="r">
               <a:defRPr sz="1200"/>
@@ -493,8 +494,8 @@
         </p:nvSpPr>
         <p:spPr>
           <a:xfrm>
-            <a:off x="1143000" y="685800"/>
-            <a:ext cx="4572000" cy="3429000"/>
+            <a:off x="1181100" y="696913"/>
+            <a:ext cx="4648200" cy="3486150"/>
           </a:xfrm>
           <a:prstGeom prst="rect">
             <a:avLst/>
@@ -507,7 +508,7 @@
           </a:ln>
         </p:spPr>
         <p:txBody>
-          <a:bodyPr vert="horz" lIns="91440" tIns="45720" rIns="91440" bIns="45720" rtlCol="0" anchor="ctr"/>
+          <a:bodyPr vert="horz" lIns="93177" tIns="46589" rIns="93177" bIns="46589" rtlCol="0" anchor="ctr"/>
           <a:lstStyle/>
           <a:p>
             <a:endParaRPr lang="en-US" dirty="0"/>
@@ -526,15 +527,15 @@
         </p:nvSpPr>
         <p:spPr>
           <a:xfrm>
-            <a:off x="685800" y="4343400"/>
-            <a:ext cx="5486400" cy="4114800"/>
+            <a:off x="701040" y="4415790"/>
+            <a:ext cx="5608320" cy="4183380"/>
           </a:xfrm>
           <a:prstGeom prst="rect">
             <a:avLst/>
           </a:prstGeom>
         </p:spPr>
         <p:txBody>
-          <a:bodyPr vert="horz" lIns="91440" tIns="45720" rIns="91440" bIns="45720" rtlCol="0"/>
+          <a:bodyPr vert="horz" lIns="93177" tIns="46589" rIns="93177" bIns="46589" rtlCol="0"/>
           <a:lstStyle/>
           <a:p>
             <a:pPr lvl="0"/>
@@ -586,15 +587,15 @@
         </p:nvSpPr>
         <p:spPr>
           <a:xfrm>
-            <a:off x="0" y="8685213"/>
-            <a:ext cx="2971800" cy="457200"/>
+            <a:off x="0" y="8829967"/>
+            <a:ext cx="3037840" cy="464820"/>
           </a:xfrm>
           <a:prstGeom prst="rect">
             <a:avLst/>
           </a:prstGeom>
         </p:spPr>
         <p:txBody>
-          <a:bodyPr vert="horz" lIns="91440" tIns="45720" rIns="91440" bIns="45720" rtlCol="0" anchor="b"/>
+          <a:bodyPr vert="horz" lIns="93177" tIns="46589" rIns="93177" bIns="46589" rtlCol="0" anchor="b"/>
           <a:lstStyle>
             <a:lvl1pPr algn="l">
               <a:defRPr sz="1200"/>
@@ -621,15 +622,15 @@
         </p:nvSpPr>
         <p:spPr>
           <a:xfrm>
-            <a:off x="3884613" y="8685213"/>
-            <a:ext cx="2971800" cy="457200"/>
+            <a:off x="3970938" y="8829967"/>
+            <a:ext cx="3037840" cy="464820"/>
           </a:xfrm>
           <a:prstGeom prst="rect">
             <a:avLst/>
           </a:prstGeom>
         </p:spPr>
         <p:txBody>
-          <a:bodyPr vert="horz" lIns="91440" tIns="45720" rIns="91440" bIns="45720" rtlCol="0" anchor="b"/>
+          <a:bodyPr vert="horz" lIns="93177" tIns="46589" rIns="93177" bIns="46589" rtlCol="0" anchor="b"/>
           <a:lstStyle>
             <a:lvl1pPr algn="r">
               <a:defRPr sz="1200"/>
@@ -802,7 +803,7 @@
         <p:txBody>
           <a:bodyPr/>
           <a:lstStyle>
-            <a:lvl1pPr defTabSz="912983" eaLnBrk="0" hangingPunct="0">
+            <a:lvl1pPr defTabSz="930330" eaLnBrk="0" hangingPunct="0">
               <a:defRPr sz="1500">
                 <a:solidFill>
                   <a:schemeClr val="tx1"/>
@@ -810,7 +811,7 @@
                 <a:latin typeface="Arial" charset="0"/>
               </a:defRPr>
             </a:lvl1pPr>
-            <a:lvl2pPr marL="702756" indent="-270291" defTabSz="912983" eaLnBrk="0" hangingPunct="0">
+            <a:lvl2pPr marL="716108" indent="-275427" defTabSz="930330" eaLnBrk="0" hangingPunct="0">
               <a:defRPr sz="1500">
                 <a:solidFill>
                   <a:schemeClr val="tx1"/>
@@ -818,7 +819,7 @@
                 <a:latin typeface="Arial" charset="0"/>
               </a:defRPr>
             </a:lvl2pPr>
-            <a:lvl3pPr marL="1081164" indent="-216233" defTabSz="912983" eaLnBrk="0" hangingPunct="0">
+            <a:lvl3pPr marL="1101706" indent="-220341" defTabSz="930330" eaLnBrk="0" hangingPunct="0">
               <a:defRPr sz="1500">
                 <a:solidFill>
                   <a:schemeClr val="tx1"/>
@@ -826,7 +827,7 @@
                 <a:latin typeface="Arial" charset="0"/>
               </a:defRPr>
             </a:lvl3pPr>
-            <a:lvl4pPr marL="1513629" indent="-216233" defTabSz="912983" eaLnBrk="0" hangingPunct="0">
+            <a:lvl4pPr marL="1542388" indent="-220341" defTabSz="930330" eaLnBrk="0" hangingPunct="0">
               <a:defRPr sz="1500">
                 <a:solidFill>
                   <a:schemeClr val="tx1"/>
@@ -834,7 +835,7 @@
                 <a:latin typeface="Arial" charset="0"/>
               </a:defRPr>
             </a:lvl4pPr>
-            <a:lvl5pPr marL="1946095" indent="-216233" defTabSz="912983" eaLnBrk="0" hangingPunct="0">
+            <a:lvl5pPr marL="1983071" indent="-220341" defTabSz="930330" eaLnBrk="0" hangingPunct="0">
               <a:defRPr sz="1500">
                 <a:solidFill>
                   <a:schemeClr val="tx1"/>
@@ -842,7 +843,7 @@
                 <a:latin typeface="Arial" charset="0"/>
               </a:defRPr>
             </a:lvl5pPr>
-            <a:lvl6pPr marL="2378560" indent="-216233" algn="ctr" defTabSz="912983" eaLnBrk="0" fontAlgn="base" hangingPunct="0">
+            <a:lvl6pPr marL="2423753" indent="-220341" algn="ctr" defTabSz="930330" eaLnBrk="0" fontAlgn="base" hangingPunct="0">
               <a:spcBef>
                 <a:spcPct val="0"/>
               </a:spcBef>
@@ -856,7 +857,7 @@
                 <a:latin typeface="Arial" charset="0"/>
               </a:defRPr>
             </a:lvl6pPr>
-            <a:lvl7pPr marL="2811026" indent="-216233" algn="ctr" defTabSz="912983" eaLnBrk="0" fontAlgn="base" hangingPunct="0">
+            <a:lvl7pPr marL="2864435" indent="-220341" algn="ctr" defTabSz="930330" eaLnBrk="0" fontAlgn="base" hangingPunct="0">
               <a:spcBef>
                 <a:spcPct val="0"/>
               </a:spcBef>
@@ -870,7 +871,7 @@
                 <a:latin typeface="Arial" charset="0"/>
               </a:defRPr>
             </a:lvl7pPr>
-            <a:lvl8pPr marL="3243491" indent="-216233" algn="ctr" defTabSz="912983" eaLnBrk="0" fontAlgn="base" hangingPunct="0">
+            <a:lvl8pPr marL="3305117" indent="-220341" algn="ctr" defTabSz="930330" eaLnBrk="0" fontAlgn="base" hangingPunct="0">
               <a:spcBef>
                 <a:spcPct val="0"/>
               </a:spcBef>
@@ -884,7 +885,7 @@
                 <a:latin typeface="Arial" charset="0"/>
               </a:defRPr>
             </a:lvl8pPr>
-            <a:lvl9pPr marL="3675957" indent="-216233" algn="ctr" defTabSz="912983" eaLnBrk="0" fontAlgn="base" hangingPunct="0">
+            <a:lvl9pPr marL="3745800" indent="-220341" algn="ctr" defTabSz="930330" eaLnBrk="0" fontAlgn="base" hangingPunct="0">
               <a:spcBef>
                 <a:spcPct val="0"/>
               </a:spcBef>
@@ -945,7 +946,7 @@
         <p:txBody>
           <a:bodyPr/>
           <a:lstStyle>
-            <a:lvl1pPr defTabSz="912983" eaLnBrk="0" hangingPunct="0">
+            <a:lvl1pPr defTabSz="930330" eaLnBrk="0" hangingPunct="0">
               <a:defRPr sz="1500">
                 <a:solidFill>
                   <a:schemeClr val="tx1"/>
@@ -953,7 +954,7 @@
                 <a:latin typeface="Arial" charset="0"/>
               </a:defRPr>
             </a:lvl1pPr>
-            <a:lvl2pPr marL="702756" indent="-270291" defTabSz="912983" eaLnBrk="0" hangingPunct="0">
+            <a:lvl2pPr marL="716108" indent="-275427" defTabSz="930330" eaLnBrk="0" hangingPunct="0">
               <a:defRPr sz="1500">
                 <a:solidFill>
                   <a:schemeClr val="tx1"/>
@@ -961,7 +962,7 @@
                 <a:latin typeface="Arial" charset="0"/>
               </a:defRPr>
             </a:lvl2pPr>
-            <a:lvl3pPr marL="1081164" indent="-216233" defTabSz="912983" eaLnBrk="0" hangingPunct="0">
+            <a:lvl3pPr marL="1101706" indent="-220341" defTabSz="930330" eaLnBrk="0" hangingPunct="0">
               <a:defRPr sz="1500">
                 <a:solidFill>
                   <a:schemeClr val="tx1"/>
@@ -969,7 +970,7 @@
                 <a:latin typeface="Arial" charset="0"/>
               </a:defRPr>
             </a:lvl3pPr>
-            <a:lvl4pPr marL="1513629" indent="-216233" defTabSz="912983" eaLnBrk="0" hangingPunct="0">
+            <a:lvl4pPr marL="1542388" indent="-220341" defTabSz="930330" eaLnBrk="0" hangingPunct="0">
               <a:defRPr sz="1500">
                 <a:solidFill>
                   <a:schemeClr val="tx1"/>
@@ -977,7 +978,7 @@
                 <a:latin typeface="Arial" charset="0"/>
               </a:defRPr>
             </a:lvl4pPr>
-            <a:lvl5pPr marL="1946095" indent="-216233" defTabSz="912983" eaLnBrk="0" hangingPunct="0">
+            <a:lvl5pPr marL="1983071" indent="-220341" defTabSz="930330" eaLnBrk="0" hangingPunct="0">
               <a:defRPr sz="1500">
                 <a:solidFill>
                   <a:schemeClr val="tx1"/>
@@ -985,7 +986,7 @@
                 <a:latin typeface="Arial" charset="0"/>
               </a:defRPr>
             </a:lvl5pPr>
-            <a:lvl6pPr marL="2378560" indent="-216233" algn="ctr" defTabSz="912983" eaLnBrk="0" fontAlgn="base" hangingPunct="0">
+            <a:lvl6pPr marL="2423753" indent="-220341" algn="ctr" defTabSz="930330" eaLnBrk="0" fontAlgn="base" hangingPunct="0">
               <a:spcBef>
                 <a:spcPct val="0"/>
               </a:spcBef>
@@ -999,7 +1000,7 @@
                 <a:latin typeface="Arial" charset="0"/>
               </a:defRPr>
             </a:lvl6pPr>
-            <a:lvl7pPr marL="2811026" indent="-216233" algn="ctr" defTabSz="912983" eaLnBrk="0" fontAlgn="base" hangingPunct="0">
+            <a:lvl7pPr marL="2864435" indent="-220341" algn="ctr" defTabSz="930330" eaLnBrk="0" fontAlgn="base" hangingPunct="0">
               <a:spcBef>
                 <a:spcPct val="0"/>
               </a:spcBef>
@@ -1013,7 +1014,7 @@
                 <a:latin typeface="Arial" charset="0"/>
               </a:defRPr>
             </a:lvl7pPr>
-            <a:lvl8pPr marL="3243491" indent="-216233" algn="ctr" defTabSz="912983" eaLnBrk="0" fontAlgn="base" hangingPunct="0">
+            <a:lvl8pPr marL="3305117" indent="-220341" algn="ctr" defTabSz="930330" eaLnBrk="0" fontAlgn="base" hangingPunct="0">
               <a:spcBef>
                 <a:spcPct val="0"/>
               </a:spcBef>
@@ -1027,7 +1028,7 @@
                 <a:latin typeface="Arial" charset="0"/>
               </a:defRPr>
             </a:lvl8pPr>
-            <a:lvl9pPr marL="3675957" indent="-216233" algn="ctr" defTabSz="912983" eaLnBrk="0" fontAlgn="base" hangingPunct="0">
+            <a:lvl9pPr marL="3745800" indent="-220341" algn="ctr" defTabSz="930330" eaLnBrk="0" fontAlgn="base" hangingPunct="0">
               <a:spcBef>
                 <a:spcPct val="0"/>
               </a:spcBef>
@@ -1088,7 +1089,7 @@
         <p:txBody>
           <a:bodyPr/>
           <a:lstStyle>
-            <a:lvl1pPr defTabSz="912983" eaLnBrk="0" hangingPunct="0">
+            <a:lvl1pPr defTabSz="930330" eaLnBrk="0" hangingPunct="0">
               <a:defRPr sz="1500">
                 <a:solidFill>
                   <a:schemeClr val="tx1"/>
@@ -1096,7 +1097,7 @@
                 <a:latin typeface="Arial" charset="0"/>
               </a:defRPr>
             </a:lvl1pPr>
-            <a:lvl2pPr marL="702756" indent="-270291" defTabSz="912983" eaLnBrk="0" hangingPunct="0">
+            <a:lvl2pPr marL="716108" indent="-275427" defTabSz="930330" eaLnBrk="0" hangingPunct="0">
               <a:defRPr sz="1500">
                 <a:solidFill>
                   <a:schemeClr val="tx1"/>
@@ -1104,7 +1105,7 @@
                 <a:latin typeface="Arial" charset="0"/>
               </a:defRPr>
             </a:lvl2pPr>
-            <a:lvl3pPr marL="1081164" indent="-216233" defTabSz="912983" eaLnBrk="0" hangingPunct="0">
+            <a:lvl3pPr marL="1101706" indent="-220341" defTabSz="930330" eaLnBrk="0" hangingPunct="0">
               <a:defRPr sz="1500">
                 <a:solidFill>
                   <a:schemeClr val="tx1"/>
@@ -1112,7 +1113,7 @@
                 <a:latin typeface="Arial" charset="0"/>
               </a:defRPr>
             </a:lvl3pPr>
-            <a:lvl4pPr marL="1513629" indent="-216233" defTabSz="912983" eaLnBrk="0" hangingPunct="0">
+            <a:lvl4pPr marL="1542388" indent="-220341" defTabSz="930330" eaLnBrk="0" hangingPunct="0">
               <a:defRPr sz="1500">
                 <a:solidFill>
                   <a:schemeClr val="tx1"/>
@@ -1120,7 +1121,7 @@
                 <a:latin typeface="Arial" charset="0"/>
               </a:defRPr>
             </a:lvl4pPr>
-            <a:lvl5pPr marL="1946095" indent="-216233" defTabSz="912983" eaLnBrk="0" hangingPunct="0">
+            <a:lvl5pPr marL="1983071" indent="-220341" defTabSz="930330" eaLnBrk="0" hangingPunct="0">
               <a:defRPr sz="1500">
                 <a:solidFill>
                   <a:schemeClr val="tx1"/>
@@ -1128,7 +1129,7 @@
                 <a:latin typeface="Arial" charset="0"/>
               </a:defRPr>
             </a:lvl5pPr>
-            <a:lvl6pPr marL="2378560" indent="-216233" algn="ctr" defTabSz="912983" eaLnBrk="0" fontAlgn="base" hangingPunct="0">
+            <a:lvl6pPr marL="2423753" indent="-220341" algn="ctr" defTabSz="930330" eaLnBrk="0" fontAlgn="base" hangingPunct="0">
               <a:spcBef>
                 <a:spcPct val="0"/>
               </a:spcBef>
@@ -1142,7 +1143,7 @@
                 <a:latin typeface="Arial" charset="0"/>
               </a:defRPr>
             </a:lvl6pPr>
-            <a:lvl7pPr marL="2811026" indent="-216233" algn="ctr" defTabSz="912983" eaLnBrk="0" fontAlgn="base" hangingPunct="0">
+            <a:lvl7pPr marL="2864435" indent="-220341" algn="ctr" defTabSz="930330" eaLnBrk="0" fontAlgn="base" hangingPunct="0">
               <a:spcBef>
                 <a:spcPct val="0"/>
               </a:spcBef>
@@ -1156,7 +1157,7 @@
                 <a:latin typeface="Arial" charset="0"/>
               </a:defRPr>
             </a:lvl7pPr>
-            <a:lvl8pPr marL="3243491" indent="-216233" algn="ctr" defTabSz="912983" eaLnBrk="0" fontAlgn="base" hangingPunct="0">
+            <a:lvl8pPr marL="3305117" indent="-220341" algn="ctr" defTabSz="930330" eaLnBrk="0" fontAlgn="base" hangingPunct="0">
               <a:spcBef>
                 <a:spcPct val="0"/>
               </a:spcBef>
@@ -1170,7 +1171,7 @@
                 <a:latin typeface="Arial" charset="0"/>
               </a:defRPr>
             </a:lvl8pPr>
-            <a:lvl9pPr marL="3675957" indent="-216233" algn="ctr" defTabSz="912983" eaLnBrk="0" fontAlgn="base" hangingPunct="0">
+            <a:lvl9pPr marL="3745800" indent="-220341" algn="ctr" defTabSz="930330" eaLnBrk="0" fontAlgn="base" hangingPunct="0">
               <a:spcBef>
                 <a:spcPct val="0"/>
               </a:spcBef>
@@ -1231,7 +1232,7 @@
         <p:txBody>
           <a:bodyPr/>
           <a:lstStyle>
-            <a:lvl1pPr defTabSz="912983" eaLnBrk="0" hangingPunct="0">
+            <a:lvl1pPr defTabSz="930330" eaLnBrk="0" hangingPunct="0">
               <a:defRPr sz="1500">
                 <a:solidFill>
                   <a:schemeClr val="tx1"/>
@@ -1239,7 +1240,7 @@
                 <a:latin typeface="Arial" charset="0"/>
               </a:defRPr>
             </a:lvl1pPr>
-            <a:lvl2pPr marL="702756" indent="-270291" defTabSz="912983" eaLnBrk="0" hangingPunct="0">
+            <a:lvl2pPr marL="716108" indent="-275427" defTabSz="930330" eaLnBrk="0" hangingPunct="0">
               <a:defRPr sz="1500">
                 <a:solidFill>
                   <a:schemeClr val="tx1"/>
@@ -1247,7 +1248,7 @@
                 <a:latin typeface="Arial" charset="0"/>
               </a:defRPr>
             </a:lvl2pPr>
-            <a:lvl3pPr marL="1081164" indent="-216233" defTabSz="912983" eaLnBrk="0" hangingPunct="0">
+            <a:lvl3pPr marL="1101706" indent="-220341" defTabSz="930330" eaLnBrk="0" hangingPunct="0">
               <a:defRPr sz="1500">
                 <a:solidFill>
                   <a:schemeClr val="tx1"/>
@@ -1255,7 +1256,7 @@
                 <a:latin typeface="Arial" charset="0"/>
               </a:defRPr>
             </a:lvl3pPr>
-            <a:lvl4pPr marL="1513629" indent="-216233" defTabSz="912983" eaLnBrk="0" hangingPunct="0">
+            <a:lvl4pPr marL="1542388" indent="-220341" defTabSz="930330" eaLnBrk="0" hangingPunct="0">
               <a:defRPr sz="1500">
                 <a:solidFill>
                   <a:schemeClr val="tx1"/>
@@ -1263,7 +1264,7 @@
                 <a:latin typeface="Arial" charset="0"/>
               </a:defRPr>
             </a:lvl4pPr>
-            <a:lvl5pPr marL="1946095" indent="-216233" defTabSz="912983" eaLnBrk="0" hangingPunct="0">
+            <a:lvl5pPr marL="1983071" indent="-220341" defTabSz="930330" eaLnBrk="0" hangingPunct="0">
               <a:defRPr sz="1500">
                 <a:solidFill>
                   <a:schemeClr val="tx1"/>
@@ -1271,7 +1272,7 @@
                 <a:latin typeface="Arial" charset="0"/>
               </a:defRPr>
             </a:lvl5pPr>
-            <a:lvl6pPr marL="2378560" indent="-216233" algn="ctr" defTabSz="912983" eaLnBrk="0" fontAlgn="base" hangingPunct="0">
+            <a:lvl6pPr marL="2423753" indent="-220341" algn="ctr" defTabSz="930330" eaLnBrk="0" fontAlgn="base" hangingPunct="0">
               <a:spcBef>
                 <a:spcPct val="0"/>
               </a:spcBef>
@@ -1285,7 +1286,7 @@
                 <a:latin typeface="Arial" charset="0"/>
               </a:defRPr>
             </a:lvl6pPr>
-            <a:lvl7pPr marL="2811026" indent="-216233" algn="ctr" defTabSz="912983" eaLnBrk="0" fontAlgn="base" hangingPunct="0">
+            <a:lvl7pPr marL="2864435" indent="-220341" algn="ctr" defTabSz="930330" eaLnBrk="0" fontAlgn="base" hangingPunct="0">
               <a:spcBef>
                 <a:spcPct val="0"/>
               </a:spcBef>
@@ -1299,7 +1300,7 @@
                 <a:latin typeface="Arial" charset="0"/>
               </a:defRPr>
             </a:lvl7pPr>
-            <a:lvl8pPr marL="3243491" indent="-216233" algn="ctr" defTabSz="912983" eaLnBrk="0" fontAlgn="base" hangingPunct="0">
+            <a:lvl8pPr marL="3305117" indent="-220341" algn="ctr" defTabSz="930330" eaLnBrk="0" fontAlgn="base" hangingPunct="0">
               <a:spcBef>
                 <a:spcPct val="0"/>
               </a:spcBef>
@@ -1313,7 +1314,7 @@
                 <a:latin typeface="Arial" charset="0"/>
               </a:defRPr>
             </a:lvl8pPr>
-            <a:lvl9pPr marL="3675957" indent="-216233" algn="ctr" defTabSz="912983" eaLnBrk="0" fontAlgn="base" hangingPunct="0">
+            <a:lvl9pPr marL="3745800" indent="-220341" algn="ctr" defTabSz="930330" eaLnBrk="0" fontAlgn="base" hangingPunct="0">
               <a:spcBef>
                 <a:spcPct val="0"/>
               </a:spcBef>
@@ -1365,8 +1366,8 @@
         </p:nvSpPr>
         <p:spPr>
           <a:xfrm>
-            <a:off x="913805" y="4343703"/>
-            <a:ext cx="5030391" cy="4115405"/>
+            <a:off x="934113" y="4416099"/>
+            <a:ext cx="5142177" cy="4183995"/>
           </a:xfrm>
           <a:noFill/>
           <a:ln/>
@@ -1460,7 +1461,7 @@
         <p:txBody>
           <a:bodyPr/>
           <a:lstStyle>
-            <a:lvl1pPr defTabSz="912715" eaLnBrk="0" hangingPunct="0">
+            <a:lvl1pPr defTabSz="930057" eaLnBrk="0" hangingPunct="0">
               <a:defRPr sz="1600">
                 <a:solidFill>
                   <a:schemeClr val="tx1"/>
@@ -1468,7 +1469,7 @@
                 <a:latin typeface="Arial" charset="0"/>
               </a:defRPr>
             </a:lvl1pPr>
-            <a:lvl2pPr marL="730171" indent="-280835" defTabSz="912715" eaLnBrk="0" hangingPunct="0">
+            <a:lvl2pPr marL="744044" indent="-286171" defTabSz="930057" eaLnBrk="0" hangingPunct="0">
               <a:defRPr sz="1600">
                 <a:solidFill>
                   <a:schemeClr val="tx1"/>
@@ -1476,7 +1477,7 @@
                 <a:latin typeface="Arial" charset="0"/>
               </a:defRPr>
             </a:lvl2pPr>
-            <a:lvl3pPr marL="1123340" indent="-224668" defTabSz="912715" eaLnBrk="0" hangingPunct="0">
+            <a:lvl3pPr marL="1144683" indent="-228937" defTabSz="930057" eaLnBrk="0" hangingPunct="0">
               <a:defRPr sz="1600">
                 <a:solidFill>
                   <a:schemeClr val="tx1"/>
@@ -1484,7 +1485,7 @@
                 <a:latin typeface="Arial" charset="0"/>
               </a:defRPr>
             </a:lvl3pPr>
-            <a:lvl4pPr marL="1572677" indent="-224668" defTabSz="912715" eaLnBrk="0" hangingPunct="0">
+            <a:lvl4pPr marL="1602558" indent="-228937" defTabSz="930057" eaLnBrk="0" hangingPunct="0">
               <a:defRPr sz="1600">
                 <a:solidFill>
                   <a:schemeClr val="tx1"/>
@@ -1492,7 +1493,7 @@
                 <a:latin typeface="Arial" charset="0"/>
               </a:defRPr>
             </a:lvl4pPr>
-            <a:lvl5pPr marL="2022013" indent="-224668" defTabSz="912715" eaLnBrk="0" hangingPunct="0">
+            <a:lvl5pPr marL="2060431" indent="-228937" defTabSz="930057" eaLnBrk="0" hangingPunct="0">
               <a:defRPr sz="1600">
                 <a:solidFill>
                   <a:schemeClr val="tx1"/>
@@ -1500,7 +1501,7 @@
                 <a:latin typeface="Arial" charset="0"/>
               </a:defRPr>
             </a:lvl5pPr>
-            <a:lvl6pPr marL="2471349" indent="-224668" algn="ctr" defTabSz="912715" eaLnBrk="0" fontAlgn="base" hangingPunct="0">
+            <a:lvl6pPr marL="2518305" indent="-228937" algn="ctr" defTabSz="930057" eaLnBrk="0" fontAlgn="base" hangingPunct="0">
               <a:spcBef>
                 <a:spcPct val="0"/>
               </a:spcBef>
@@ -1514,7 +1515,7 @@
                 <a:latin typeface="Arial" charset="0"/>
               </a:defRPr>
             </a:lvl6pPr>
-            <a:lvl7pPr marL="2920685" indent="-224668" algn="ctr" defTabSz="912715" eaLnBrk="0" fontAlgn="base" hangingPunct="0">
+            <a:lvl7pPr marL="2976178" indent="-228937" algn="ctr" defTabSz="930057" eaLnBrk="0" fontAlgn="base" hangingPunct="0">
               <a:spcBef>
                 <a:spcPct val="0"/>
               </a:spcBef>
@@ -1528,7 +1529,7 @@
                 <a:latin typeface="Arial" charset="0"/>
               </a:defRPr>
             </a:lvl7pPr>
-            <a:lvl8pPr marL="3370021" indent="-224668" algn="ctr" defTabSz="912715" eaLnBrk="0" fontAlgn="base" hangingPunct="0">
+            <a:lvl8pPr marL="3434051" indent="-228937" algn="ctr" defTabSz="930057" eaLnBrk="0" fontAlgn="base" hangingPunct="0">
               <a:spcBef>
                 <a:spcPct val="0"/>
               </a:spcBef>
@@ -1542,7 +1543,7 @@
                 <a:latin typeface="Arial" charset="0"/>
               </a:defRPr>
             </a:lvl8pPr>
-            <a:lvl9pPr marL="3819357" indent="-224668" algn="ctr" defTabSz="912715" eaLnBrk="0" fontAlgn="base" hangingPunct="0">
+            <a:lvl9pPr marL="3891925" indent="-228937" algn="ctr" defTabSz="930057" eaLnBrk="0" fontAlgn="base" hangingPunct="0">
               <a:spcBef>
                 <a:spcPct val="0"/>
               </a:spcBef>
@@ -1602,7 +1603,7 @@
         <p:txBody>
           <a:bodyPr/>
           <a:lstStyle>
-            <a:lvl1pPr defTabSz="912715" eaLnBrk="0" hangingPunct="0">
+            <a:lvl1pPr defTabSz="930057" eaLnBrk="0" hangingPunct="0">
               <a:defRPr sz="1600">
                 <a:solidFill>
                   <a:schemeClr val="tx1"/>
@@ -1610,7 +1611,7 @@
                 <a:latin typeface="Arial" charset="0"/>
               </a:defRPr>
             </a:lvl1pPr>
-            <a:lvl2pPr marL="730171" indent="-280835" defTabSz="912715" eaLnBrk="0" hangingPunct="0">
+            <a:lvl2pPr marL="744044" indent="-286171" defTabSz="930057" eaLnBrk="0" hangingPunct="0">
               <a:defRPr sz="1600">
                 <a:solidFill>
                   <a:schemeClr val="tx1"/>
@@ -1618,7 +1619,7 @@
                 <a:latin typeface="Arial" charset="0"/>
               </a:defRPr>
             </a:lvl2pPr>
-            <a:lvl3pPr marL="1123340" indent="-224668" defTabSz="912715" eaLnBrk="0" hangingPunct="0">
+            <a:lvl3pPr marL="1144683" indent="-228937" defTabSz="930057" eaLnBrk="0" hangingPunct="0">
               <a:defRPr sz="1600">
                 <a:solidFill>
                   <a:schemeClr val="tx1"/>
@@ -1626,7 +1627,7 @@
                 <a:latin typeface="Arial" charset="0"/>
               </a:defRPr>
             </a:lvl3pPr>
-            <a:lvl4pPr marL="1572677" indent="-224668" defTabSz="912715" eaLnBrk="0" hangingPunct="0">
+            <a:lvl4pPr marL="1602558" indent="-228937" defTabSz="930057" eaLnBrk="0" hangingPunct="0">
               <a:defRPr sz="1600">
                 <a:solidFill>
                   <a:schemeClr val="tx1"/>
@@ -1634,7 +1635,7 @@
                 <a:latin typeface="Arial" charset="0"/>
               </a:defRPr>
             </a:lvl4pPr>
-            <a:lvl5pPr marL="2022013" indent="-224668" defTabSz="912715" eaLnBrk="0" hangingPunct="0">
+            <a:lvl5pPr marL="2060431" indent="-228937" defTabSz="930057" eaLnBrk="0" hangingPunct="0">
               <a:defRPr sz="1600">
                 <a:solidFill>
                   <a:schemeClr val="tx1"/>
@@ -1642,7 +1643,7 @@
                 <a:latin typeface="Arial" charset="0"/>
               </a:defRPr>
             </a:lvl5pPr>
-            <a:lvl6pPr marL="2471349" indent="-224668" algn="ctr" defTabSz="912715" eaLnBrk="0" fontAlgn="base" hangingPunct="0">
+            <a:lvl6pPr marL="2518305" indent="-228937" algn="ctr" defTabSz="930057" eaLnBrk="0" fontAlgn="base" hangingPunct="0">
               <a:spcBef>
                 <a:spcPct val="0"/>
               </a:spcBef>
@@ -1656,7 +1657,7 @@
                 <a:latin typeface="Arial" charset="0"/>
               </a:defRPr>
             </a:lvl6pPr>
-            <a:lvl7pPr marL="2920685" indent="-224668" algn="ctr" defTabSz="912715" eaLnBrk="0" fontAlgn="base" hangingPunct="0">
+            <a:lvl7pPr marL="2976178" indent="-228937" algn="ctr" defTabSz="930057" eaLnBrk="0" fontAlgn="base" hangingPunct="0">
               <a:spcBef>
                 <a:spcPct val="0"/>
               </a:spcBef>
@@ -1670,7 +1671,7 @@
                 <a:latin typeface="Arial" charset="0"/>
               </a:defRPr>
             </a:lvl7pPr>
-            <a:lvl8pPr marL="3370021" indent="-224668" algn="ctr" defTabSz="912715" eaLnBrk="0" fontAlgn="base" hangingPunct="0">
+            <a:lvl8pPr marL="3434051" indent="-228937" algn="ctr" defTabSz="930057" eaLnBrk="0" fontAlgn="base" hangingPunct="0">
               <a:spcBef>
                 <a:spcPct val="0"/>
               </a:spcBef>
@@ -1684,7 +1685,7 @@
                 <a:latin typeface="Arial" charset="0"/>
               </a:defRPr>
             </a:lvl8pPr>
-            <a:lvl9pPr marL="3819357" indent="-224668" algn="ctr" defTabSz="912715" eaLnBrk="0" fontAlgn="base" hangingPunct="0">
+            <a:lvl9pPr marL="3891925" indent="-228937" algn="ctr" defTabSz="930057" eaLnBrk="0" fontAlgn="base" hangingPunct="0">
               <a:spcBef>
                 <a:spcPct val="0"/>
               </a:spcBef>
@@ -1744,7 +1745,7 @@
         <p:txBody>
           <a:bodyPr/>
           <a:lstStyle>
-            <a:lvl1pPr defTabSz="912715" eaLnBrk="0" hangingPunct="0">
+            <a:lvl1pPr defTabSz="930057" eaLnBrk="0" hangingPunct="0">
               <a:defRPr sz="1600">
                 <a:solidFill>
                   <a:schemeClr val="tx1"/>
@@ -1752,7 +1753,7 @@
                 <a:latin typeface="Arial" charset="0"/>
               </a:defRPr>
             </a:lvl1pPr>
-            <a:lvl2pPr marL="730171" indent="-280835" defTabSz="912715" eaLnBrk="0" hangingPunct="0">
+            <a:lvl2pPr marL="744044" indent="-286171" defTabSz="930057" eaLnBrk="0" hangingPunct="0">
               <a:defRPr sz="1600">
                 <a:solidFill>
                   <a:schemeClr val="tx1"/>
@@ -1760,7 +1761,7 @@
                 <a:latin typeface="Arial" charset="0"/>
               </a:defRPr>
             </a:lvl2pPr>
-            <a:lvl3pPr marL="1123340" indent="-224668" defTabSz="912715" eaLnBrk="0" hangingPunct="0">
+            <a:lvl3pPr marL="1144683" indent="-228937" defTabSz="930057" eaLnBrk="0" hangingPunct="0">
               <a:defRPr sz="1600">
                 <a:solidFill>
                   <a:schemeClr val="tx1"/>
@@ -1768,7 +1769,7 @@
                 <a:latin typeface="Arial" charset="0"/>
               </a:defRPr>
             </a:lvl3pPr>
-            <a:lvl4pPr marL="1572677" indent="-224668" defTabSz="912715" eaLnBrk="0" hangingPunct="0">
+            <a:lvl4pPr marL="1602558" indent="-228937" defTabSz="930057" eaLnBrk="0" hangingPunct="0">
               <a:defRPr sz="1600">
                 <a:solidFill>
                   <a:schemeClr val="tx1"/>
@@ -1776,7 +1777,7 @@
                 <a:latin typeface="Arial" charset="0"/>
               </a:defRPr>
             </a:lvl4pPr>
-            <a:lvl5pPr marL="2022013" indent="-224668" defTabSz="912715" eaLnBrk="0" hangingPunct="0">
+            <a:lvl5pPr marL="2060431" indent="-228937" defTabSz="930057" eaLnBrk="0" hangingPunct="0">
               <a:defRPr sz="1600">
                 <a:solidFill>
                   <a:schemeClr val="tx1"/>
@@ -1784,7 +1785,7 @@
                 <a:latin typeface="Arial" charset="0"/>
               </a:defRPr>
             </a:lvl5pPr>
-            <a:lvl6pPr marL="2471349" indent="-224668" algn="ctr" defTabSz="912715" eaLnBrk="0" fontAlgn="base" hangingPunct="0">
+            <a:lvl6pPr marL="2518305" indent="-228937" algn="ctr" defTabSz="930057" eaLnBrk="0" fontAlgn="base" hangingPunct="0">
               <a:spcBef>
                 <a:spcPct val="0"/>
               </a:spcBef>
@@ -1798,7 +1799,7 @@
                 <a:latin typeface="Arial" charset="0"/>
               </a:defRPr>
             </a:lvl6pPr>
-            <a:lvl7pPr marL="2920685" indent="-224668" algn="ctr" defTabSz="912715" eaLnBrk="0" fontAlgn="base" hangingPunct="0">
+            <a:lvl7pPr marL="2976178" indent="-228937" algn="ctr" defTabSz="930057" eaLnBrk="0" fontAlgn="base" hangingPunct="0">
               <a:spcBef>
                 <a:spcPct val="0"/>
               </a:spcBef>
@@ -1812,7 +1813,7 @@
                 <a:latin typeface="Arial" charset="0"/>
               </a:defRPr>
             </a:lvl7pPr>
-            <a:lvl8pPr marL="3370021" indent="-224668" algn="ctr" defTabSz="912715" eaLnBrk="0" fontAlgn="base" hangingPunct="0">
+            <a:lvl8pPr marL="3434051" indent="-228937" algn="ctr" defTabSz="930057" eaLnBrk="0" fontAlgn="base" hangingPunct="0">
               <a:spcBef>
                 <a:spcPct val="0"/>
               </a:spcBef>
@@ -1826,7 +1827,7 @@
                 <a:latin typeface="Arial" charset="0"/>
               </a:defRPr>
             </a:lvl8pPr>
-            <a:lvl9pPr marL="3819357" indent="-224668" algn="ctr" defTabSz="912715" eaLnBrk="0" fontAlgn="base" hangingPunct="0">
+            <a:lvl9pPr marL="3891925" indent="-228937" algn="ctr" defTabSz="930057" eaLnBrk="0" fontAlgn="base" hangingPunct="0">
               <a:spcBef>
                 <a:spcPct val="0"/>
               </a:spcBef>
@@ -1886,7 +1887,7 @@
         <p:txBody>
           <a:bodyPr/>
           <a:lstStyle>
-            <a:lvl1pPr defTabSz="912715" eaLnBrk="0" hangingPunct="0">
+            <a:lvl1pPr defTabSz="930057" eaLnBrk="0" hangingPunct="0">
               <a:defRPr sz="1600">
                 <a:solidFill>
                   <a:schemeClr val="tx1"/>
@@ -1894,7 +1895,7 @@
                 <a:latin typeface="Arial" charset="0"/>
               </a:defRPr>
             </a:lvl1pPr>
-            <a:lvl2pPr marL="730171" indent="-280835" defTabSz="912715" eaLnBrk="0" hangingPunct="0">
+            <a:lvl2pPr marL="744044" indent="-286171" defTabSz="930057" eaLnBrk="0" hangingPunct="0">
               <a:defRPr sz="1600">
                 <a:solidFill>
                   <a:schemeClr val="tx1"/>
@@ -1902,7 +1903,7 @@
                 <a:latin typeface="Arial" charset="0"/>
               </a:defRPr>
             </a:lvl2pPr>
-            <a:lvl3pPr marL="1123340" indent="-224668" defTabSz="912715" eaLnBrk="0" hangingPunct="0">
+            <a:lvl3pPr marL="1144683" indent="-228937" defTabSz="930057" eaLnBrk="0" hangingPunct="0">
               <a:defRPr sz="1600">
                 <a:solidFill>
                   <a:schemeClr val="tx1"/>
@@ -1910,7 +1911,7 @@
                 <a:latin typeface="Arial" charset="0"/>
               </a:defRPr>
             </a:lvl3pPr>
-            <a:lvl4pPr marL="1572677" indent="-224668" defTabSz="912715" eaLnBrk="0" hangingPunct="0">
+            <a:lvl4pPr marL="1602558" indent="-228937" defTabSz="930057" eaLnBrk="0" hangingPunct="0">
               <a:defRPr sz="1600">
                 <a:solidFill>
                   <a:schemeClr val="tx1"/>
@@ -1918,7 +1919,7 @@
                 <a:latin typeface="Arial" charset="0"/>
               </a:defRPr>
             </a:lvl4pPr>
-            <a:lvl5pPr marL="2022013" indent="-224668" defTabSz="912715" eaLnBrk="0" hangingPunct="0">
+            <a:lvl5pPr marL="2060431" indent="-228937" defTabSz="930057" eaLnBrk="0" hangingPunct="0">
               <a:defRPr sz="1600">
                 <a:solidFill>
                   <a:schemeClr val="tx1"/>
@@ -1926,7 +1927,7 @@
                 <a:latin typeface="Arial" charset="0"/>
               </a:defRPr>
             </a:lvl5pPr>
-            <a:lvl6pPr marL="2471349" indent="-224668" algn="ctr" defTabSz="912715" eaLnBrk="0" fontAlgn="base" hangingPunct="0">
+            <a:lvl6pPr marL="2518305" indent="-228937" algn="ctr" defTabSz="930057" eaLnBrk="0" fontAlgn="base" hangingPunct="0">
               <a:spcBef>
                 <a:spcPct val="0"/>
               </a:spcBef>
@@ -1940,7 +1941,7 @@
                 <a:latin typeface="Arial" charset="0"/>
               </a:defRPr>
             </a:lvl6pPr>
-            <a:lvl7pPr marL="2920685" indent="-224668" algn="ctr" defTabSz="912715" eaLnBrk="0" fontAlgn="base" hangingPunct="0">
+            <a:lvl7pPr marL="2976178" indent="-228937" algn="ctr" defTabSz="930057" eaLnBrk="0" fontAlgn="base" hangingPunct="0">
               <a:spcBef>
                 <a:spcPct val="0"/>
               </a:spcBef>
@@ -1954,7 +1955,7 @@
                 <a:latin typeface="Arial" charset="0"/>
               </a:defRPr>
             </a:lvl7pPr>
-            <a:lvl8pPr marL="3370021" indent="-224668" algn="ctr" defTabSz="912715" eaLnBrk="0" fontAlgn="base" hangingPunct="0">
+            <a:lvl8pPr marL="3434051" indent="-228937" algn="ctr" defTabSz="930057" eaLnBrk="0" fontAlgn="base" hangingPunct="0">
               <a:spcBef>
                 <a:spcPct val="0"/>
               </a:spcBef>
@@ -1968,7 +1969,7 @@
                 <a:latin typeface="Arial" charset="0"/>
               </a:defRPr>
             </a:lvl8pPr>
-            <a:lvl9pPr marL="3819357" indent="-224668" algn="ctr" defTabSz="912715" eaLnBrk="0" fontAlgn="base" hangingPunct="0">
+            <a:lvl9pPr marL="3891925" indent="-228937" algn="ctr" defTabSz="930057" eaLnBrk="0" fontAlgn="base" hangingPunct="0">
               <a:spcBef>
                 <a:spcPct val="0"/>
               </a:spcBef>
@@ -1988,7 +1989,7 @@
             <a:fld id="{278B8FAB-88DE-433B-8C16-378C226CECEE}" type="slidenum">
               <a:rPr lang="en-US" sz="1300"/>
               <a:pPr eaLnBrk="1" hangingPunct="1"/>
-              <a:t>10</a:t>
+              <a:t>11</a:t>
             </a:fld>
             <a:endParaRPr lang="en-US" sz="1300" dirty="0"/>
           </a:p>
@@ -2111,7 +2112,7 @@
         <p:txBody>
           <a:bodyPr/>
           <a:lstStyle>
-            <a:lvl1pPr defTabSz="912715" eaLnBrk="0" hangingPunct="0">
+            <a:lvl1pPr defTabSz="930057" eaLnBrk="0" hangingPunct="0">
               <a:defRPr sz="1600">
                 <a:solidFill>
                   <a:schemeClr val="tx1"/>
@@ -2119,7 +2120,7 @@
                 <a:latin typeface="Arial" charset="0"/>
               </a:defRPr>
             </a:lvl1pPr>
-            <a:lvl2pPr marL="730171" indent="-280835" defTabSz="912715" eaLnBrk="0" hangingPunct="0">
+            <a:lvl2pPr marL="744044" indent="-286171" defTabSz="930057" eaLnBrk="0" hangingPunct="0">
               <a:defRPr sz="1600">
                 <a:solidFill>
                   <a:schemeClr val="tx1"/>
@@ -2127,7 +2128,7 @@
                 <a:latin typeface="Arial" charset="0"/>
               </a:defRPr>
             </a:lvl2pPr>
-            <a:lvl3pPr marL="1123340" indent="-224668" defTabSz="912715" eaLnBrk="0" hangingPunct="0">
+            <a:lvl3pPr marL="1144683" indent="-228937" defTabSz="930057" eaLnBrk="0" hangingPunct="0">
               <a:defRPr sz="1600">
                 <a:solidFill>
                   <a:schemeClr val="tx1"/>
@@ -2135,7 +2136,7 @@
                 <a:latin typeface="Arial" charset="0"/>
               </a:defRPr>
             </a:lvl3pPr>
-            <a:lvl4pPr marL="1572677" indent="-224668" defTabSz="912715" eaLnBrk="0" hangingPunct="0">
+            <a:lvl4pPr marL="1602558" indent="-228937" defTabSz="930057" eaLnBrk="0" hangingPunct="0">
               <a:defRPr sz="1600">
                 <a:solidFill>
                   <a:schemeClr val="tx1"/>
@@ -2143,7 +2144,7 @@
                 <a:latin typeface="Arial" charset="0"/>
               </a:defRPr>
             </a:lvl4pPr>
-            <a:lvl5pPr marL="2022013" indent="-224668" defTabSz="912715" eaLnBrk="0" hangingPunct="0">
+            <a:lvl5pPr marL="2060431" indent="-228937" defTabSz="930057" eaLnBrk="0" hangingPunct="0">
               <a:defRPr sz="1600">
                 <a:solidFill>
                   <a:schemeClr val="tx1"/>
@@ -2151,7 +2152,7 @@
                 <a:latin typeface="Arial" charset="0"/>
               </a:defRPr>
             </a:lvl5pPr>
-            <a:lvl6pPr marL="2471349" indent="-224668" algn="ctr" defTabSz="912715" eaLnBrk="0" fontAlgn="base" hangingPunct="0">
+            <a:lvl6pPr marL="2518305" indent="-228937" algn="ctr" defTabSz="930057" eaLnBrk="0" fontAlgn="base" hangingPunct="0">
               <a:spcBef>
                 <a:spcPct val="0"/>
               </a:spcBef>
@@ -2165,7 +2166,7 @@
                 <a:latin typeface="Arial" charset="0"/>
               </a:defRPr>
             </a:lvl6pPr>
-            <a:lvl7pPr marL="2920685" indent="-224668" algn="ctr" defTabSz="912715" eaLnBrk="0" fontAlgn="base" hangingPunct="0">
+            <a:lvl7pPr marL="2976178" indent="-228937" algn="ctr" defTabSz="930057" eaLnBrk="0" fontAlgn="base" hangingPunct="0">
               <a:spcBef>
                 <a:spcPct val="0"/>
               </a:spcBef>
@@ -2179,7 +2180,7 @@
                 <a:latin typeface="Arial" charset="0"/>
               </a:defRPr>
             </a:lvl7pPr>
-            <a:lvl8pPr marL="3370021" indent="-224668" algn="ctr" defTabSz="912715" eaLnBrk="0" fontAlgn="base" hangingPunct="0">
+            <a:lvl8pPr marL="3434051" indent="-228937" algn="ctr" defTabSz="930057" eaLnBrk="0" fontAlgn="base" hangingPunct="0">
               <a:spcBef>
                 <a:spcPct val="0"/>
               </a:spcBef>
@@ -2193,7 +2194,7 @@
                 <a:latin typeface="Arial" charset="0"/>
               </a:defRPr>
             </a:lvl8pPr>
-            <a:lvl9pPr marL="3819357" indent="-224668" algn="ctr" defTabSz="912715" eaLnBrk="0" fontAlgn="base" hangingPunct="0">
+            <a:lvl9pPr marL="3891925" indent="-228937" algn="ctr" defTabSz="930057" eaLnBrk="0" fontAlgn="base" hangingPunct="0">
               <a:spcBef>
                 <a:spcPct val="0"/>
               </a:spcBef>
@@ -2253,7 +2254,7 @@
         <p:txBody>
           <a:bodyPr/>
           <a:lstStyle>
-            <a:lvl1pPr defTabSz="912715" eaLnBrk="0" hangingPunct="0">
+            <a:lvl1pPr defTabSz="930057" eaLnBrk="0" hangingPunct="0">
               <a:defRPr sz="1600">
                 <a:solidFill>
                   <a:schemeClr val="tx1"/>
@@ -2261,7 +2262,7 @@
                 <a:latin typeface="Arial" charset="0"/>
               </a:defRPr>
             </a:lvl1pPr>
-            <a:lvl2pPr marL="730171" indent="-280835" defTabSz="912715" eaLnBrk="0" hangingPunct="0">
+            <a:lvl2pPr marL="744044" indent="-286171" defTabSz="930057" eaLnBrk="0" hangingPunct="0">
               <a:defRPr sz="1600">
                 <a:solidFill>
                   <a:schemeClr val="tx1"/>
@@ -2269,7 +2270,7 @@
                 <a:latin typeface="Arial" charset="0"/>
               </a:defRPr>
             </a:lvl2pPr>
-            <a:lvl3pPr marL="1123340" indent="-224668" defTabSz="912715" eaLnBrk="0" hangingPunct="0">
+            <a:lvl3pPr marL="1144683" indent="-228937" defTabSz="930057" eaLnBrk="0" hangingPunct="0">
               <a:defRPr sz="1600">
                 <a:solidFill>
                   <a:schemeClr val="tx1"/>
@@ -2277,7 +2278,7 @@
                 <a:latin typeface="Arial" charset="0"/>
               </a:defRPr>
             </a:lvl3pPr>
-            <a:lvl4pPr marL="1572677" indent="-224668" defTabSz="912715" eaLnBrk="0" hangingPunct="0">
+            <a:lvl4pPr marL="1602558" indent="-228937" defTabSz="930057" eaLnBrk="0" hangingPunct="0">
               <a:defRPr sz="1600">
                 <a:solidFill>
                   <a:schemeClr val="tx1"/>
@@ -2285,7 +2286,7 @@
                 <a:latin typeface="Arial" charset="0"/>
               </a:defRPr>
             </a:lvl4pPr>
-            <a:lvl5pPr marL="2022013" indent="-224668" defTabSz="912715" eaLnBrk="0" hangingPunct="0">
+            <a:lvl5pPr marL="2060431" indent="-228937" defTabSz="930057" eaLnBrk="0" hangingPunct="0">
               <a:defRPr sz="1600">
                 <a:solidFill>
                   <a:schemeClr val="tx1"/>
@@ -2293,7 +2294,7 @@
                 <a:latin typeface="Arial" charset="0"/>
               </a:defRPr>
             </a:lvl5pPr>
-            <a:lvl6pPr marL="2471349" indent="-224668" algn="ctr" defTabSz="912715" eaLnBrk="0" fontAlgn="base" hangingPunct="0">
+            <a:lvl6pPr marL="2518305" indent="-228937" algn="ctr" defTabSz="930057" eaLnBrk="0" fontAlgn="base" hangingPunct="0">
               <a:spcBef>
                 <a:spcPct val="0"/>
               </a:spcBef>
@@ -2307,7 +2308,7 @@
                 <a:latin typeface="Arial" charset="0"/>
               </a:defRPr>
             </a:lvl6pPr>
-            <a:lvl7pPr marL="2920685" indent="-224668" algn="ctr" defTabSz="912715" eaLnBrk="0" fontAlgn="base" hangingPunct="0">
+            <a:lvl7pPr marL="2976178" indent="-228937" algn="ctr" defTabSz="930057" eaLnBrk="0" fontAlgn="base" hangingPunct="0">
               <a:spcBef>
                 <a:spcPct val="0"/>
               </a:spcBef>
@@ -2321,7 +2322,7 @@
                 <a:latin typeface="Arial" charset="0"/>
               </a:defRPr>
             </a:lvl7pPr>
-            <a:lvl8pPr marL="3370021" indent="-224668" algn="ctr" defTabSz="912715" eaLnBrk="0" fontAlgn="base" hangingPunct="0">
+            <a:lvl8pPr marL="3434051" indent="-228937" algn="ctr" defTabSz="930057" eaLnBrk="0" fontAlgn="base" hangingPunct="0">
               <a:spcBef>
                 <a:spcPct val="0"/>
               </a:spcBef>
@@ -2335,7 +2336,7 @@
                 <a:latin typeface="Arial" charset="0"/>
               </a:defRPr>
             </a:lvl8pPr>
-            <a:lvl9pPr marL="3819357" indent="-224668" algn="ctr" defTabSz="912715" eaLnBrk="0" fontAlgn="base" hangingPunct="0">
+            <a:lvl9pPr marL="3891925" indent="-228937" algn="ctr" defTabSz="930057" eaLnBrk="0" fontAlgn="base" hangingPunct="0">
               <a:spcBef>
                 <a:spcPct val="0"/>
               </a:spcBef>
@@ -2395,7 +2396,7 @@
         <p:txBody>
           <a:bodyPr/>
           <a:lstStyle>
-            <a:lvl1pPr defTabSz="912715" eaLnBrk="0" hangingPunct="0">
+            <a:lvl1pPr defTabSz="930057" eaLnBrk="0" hangingPunct="0">
               <a:defRPr sz="1600">
                 <a:solidFill>
                   <a:schemeClr val="tx1"/>
@@ -2403,7 +2404,7 @@
                 <a:latin typeface="Arial" charset="0"/>
               </a:defRPr>
             </a:lvl1pPr>
-            <a:lvl2pPr marL="730171" indent="-280835" defTabSz="912715" eaLnBrk="0" hangingPunct="0">
+            <a:lvl2pPr marL="744044" indent="-286171" defTabSz="930057" eaLnBrk="0" hangingPunct="0">
               <a:defRPr sz="1600">
                 <a:solidFill>
                   <a:schemeClr val="tx1"/>
@@ -2411,7 +2412,7 @@
                 <a:latin typeface="Arial" charset="0"/>
               </a:defRPr>
             </a:lvl2pPr>
-            <a:lvl3pPr marL="1123340" indent="-224668" defTabSz="912715" eaLnBrk="0" hangingPunct="0">
+            <a:lvl3pPr marL="1144683" indent="-228937" defTabSz="930057" eaLnBrk="0" hangingPunct="0">
               <a:defRPr sz="1600">
                 <a:solidFill>
                   <a:schemeClr val="tx1"/>
@@ -2419,7 +2420,7 @@
                 <a:latin typeface="Arial" charset="0"/>
               </a:defRPr>
             </a:lvl3pPr>
-            <a:lvl4pPr marL="1572677" indent="-224668" defTabSz="912715" eaLnBrk="0" hangingPunct="0">
+            <a:lvl4pPr marL="1602558" indent="-228937" defTabSz="930057" eaLnBrk="0" hangingPunct="0">
               <a:defRPr sz="1600">
                 <a:solidFill>
                   <a:schemeClr val="tx1"/>
@@ -2427,7 +2428,7 @@
                 <a:latin typeface="Arial" charset="0"/>
               </a:defRPr>
             </a:lvl4pPr>
-            <a:lvl5pPr marL="2022013" indent="-224668" defTabSz="912715" eaLnBrk="0" hangingPunct="0">
+            <a:lvl5pPr marL="2060431" indent="-228937" defTabSz="930057" eaLnBrk="0" hangingPunct="0">
               <a:defRPr sz="1600">
                 <a:solidFill>
                   <a:schemeClr val="tx1"/>
@@ -2435,7 +2436,7 @@
                 <a:latin typeface="Arial" charset="0"/>
               </a:defRPr>
             </a:lvl5pPr>
-            <a:lvl6pPr marL="2471349" indent="-224668" algn="ctr" defTabSz="912715" eaLnBrk="0" fontAlgn="base" hangingPunct="0">
+            <a:lvl6pPr marL="2518305" indent="-228937" algn="ctr" defTabSz="930057" eaLnBrk="0" fontAlgn="base" hangingPunct="0">
               <a:spcBef>
                 <a:spcPct val="0"/>
               </a:spcBef>
@@ -2449,7 +2450,7 @@
                 <a:latin typeface="Arial" charset="0"/>
               </a:defRPr>
             </a:lvl6pPr>
-            <a:lvl7pPr marL="2920685" indent="-224668" algn="ctr" defTabSz="912715" eaLnBrk="0" fontAlgn="base" hangingPunct="0">
+            <a:lvl7pPr marL="2976178" indent="-228937" algn="ctr" defTabSz="930057" eaLnBrk="0" fontAlgn="base" hangingPunct="0">
               <a:spcBef>
                 <a:spcPct val="0"/>
               </a:spcBef>
@@ -2463,7 +2464,7 @@
                 <a:latin typeface="Arial" charset="0"/>
               </a:defRPr>
             </a:lvl7pPr>
-            <a:lvl8pPr marL="3370021" indent="-224668" algn="ctr" defTabSz="912715" eaLnBrk="0" fontAlgn="base" hangingPunct="0">
+            <a:lvl8pPr marL="3434051" indent="-228937" algn="ctr" defTabSz="930057" eaLnBrk="0" fontAlgn="base" hangingPunct="0">
               <a:spcBef>
                 <a:spcPct val="0"/>
               </a:spcBef>
@@ -2477,7 +2478,7 @@
                 <a:latin typeface="Arial" charset="0"/>
               </a:defRPr>
             </a:lvl8pPr>
-            <a:lvl9pPr marL="3819357" indent="-224668" algn="ctr" defTabSz="912715" eaLnBrk="0" fontAlgn="base" hangingPunct="0">
+            <a:lvl9pPr marL="3891925" indent="-228937" algn="ctr" defTabSz="930057" eaLnBrk="0" fontAlgn="base" hangingPunct="0">
               <a:spcBef>
                 <a:spcPct val="0"/>
               </a:spcBef>
@@ -2537,7 +2538,7 @@
         <p:txBody>
           <a:bodyPr/>
           <a:lstStyle>
-            <a:lvl1pPr defTabSz="912715" eaLnBrk="0" hangingPunct="0">
+            <a:lvl1pPr defTabSz="930057" eaLnBrk="0" hangingPunct="0">
               <a:defRPr sz="1600">
                 <a:solidFill>
                   <a:schemeClr val="tx1"/>
@@ -2545,7 +2546,7 @@
                 <a:latin typeface="Arial" charset="0"/>
               </a:defRPr>
             </a:lvl1pPr>
-            <a:lvl2pPr marL="730171" indent="-280835" defTabSz="912715" eaLnBrk="0" hangingPunct="0">
+            <a:lvl2pPr marL="744044" indent="-286171" defTabSz="930057" eaLnBrk="0" hangingPunct="0">
               <a:defRPr sz="1600">
                 <a:solidFill>
                   <a:schemeClr val="tx1"/>
@@ -2553,7 +2554,7 @@
                 <a:latin typeface="Arial" charset="0"/>
               </a:defRPr>
             </a:lvl2pPr>
-            <a:lvl3pPr marL="1123340" indent="-224668" defTabSz="912715" eaLnBrk="0" hangingPunct="0">
+            <a:lvl3pPr marL="1144683" indent="-228937" defTabSz="930057" eaLnBrk="0" hangingPunct="0">
               <a:defRPr sz="1600">
                 <a:solidFill>
                   <a:schemeClr val="tx1"/>
@@ -2561,7 +2562,7 @@
                 <a:latin typeface="Arial" charset="0"/>
               </a:defRPr>
             </a:lvl3pPr>
-            <a:lvl4pPr marL="1572677" indent="-224668" defTabSz="912715" eaLnBrk="0" hangingPunct="0">
+            <a:lvl4pPr marL="1602558" indent="-228937" defTabSz="930057" eaLnBrk="0" hangingPunct="0">
               <a:defRPr sz="1600">
                 <a:solidFill>
                   <a:schemeClr val="tx1"/>
@@ -2569,7 +2570,7 @@
                 <a:latin typeface="Arial" charset="0"/>
               </a:defRPr>
             </a:lvl4pPr>
-            <a:lvl5pPr marL="2022013" indent="-224668" defTabSz="912715" eaLnBrk="0" hangingPunct="0">
+            <a:lvl5pPr marL="2060431" indent="-228937" defTabSz="930057" eaLnBrk="0" hangingPunct="0">
               <a:defRPr sz="1600">
                 <a:solidFill>
                   <a:schemeClr val="tx1"/>
@@ -2577,7 +2578,7 @@
                 <a:latin typeface="Arial" charset="0"/>
               </a:defRPr>
             </a:lvl5pPr>
-            <a:lvl6pPr marL="2471349" indent="-224668" algn="ctr" defTabSz="912715" eaLnBrk="0" fontAlgn="base" hangingPunct="0">
+            <a:lvl6pPr marL="2518305" indent="-228937" algn="ctr" defTabSz="930057" eaLnBrk="0" fontAlgn="base" hangingPunct="0">
               <a:spcBef>
                 <a:spcPct val="0"/>
               </a:spcBef>
@@ -2591,7 +2592,7 @@
                 <a:latin typeface="Arial" charset="0"/>
               </a:defRPr>
             </a:lvl6pPr>
-            <a:lvl7pPr marL="2920685" indent="-224668" algn="ctr" defTabSz="912715" eaLnBrk="0" fontAlgn="base" hangingPunct="0">
+            <a:lvl7pPr marL="2976178" indent="-228937" algn="ctr" defTabSz="930057" eaLnBrk="0" fontAlgn="base" hangingPunct="0">
               <a:spcBef>
                 <a:spcPct val="0"/>
               </a:spcBef>
@@ -2605,7 +2606,7 @@
                 <a:latin typeface="Arial" charset="0"/>
               </a:defRPr>
             </a:lvl7pPr>
-            <a:lvl8pPr marL="3370021" indent="-224668" algn="ctr" defTabSz="912715" eaLnBrk="0" fontAlgn="base" hangingPunct="0">
+            <a:lvl8pPr marL="3434051" indent="-228937" algn="ctr" defTabSz="930057" eaLnBrk="0" fontAlgn="base" hangingPunct="0">
               <a:spcBef>
                 <a:spcPct val="0"/>
               </a:spcBef>
@@ -2619,7 +2620,7 @@
                 <a:latin typeface="Arial" charset="0"/>
               </a:defRPr>
             </a:lvl8pPr>
-            <a:lvl9pPr marL="3819357" indent="-224668" algn="ctr" defTabSz="912715" eaLnBrk="0" fontAlgn="base" hangingPunct="0">
+            <a:lvl9pPr marL="3891925" indent="-228937" algn="ctr" defTabSz="930057" eaLnBrk="0" fontAlgn="base" hangingPunct="0">
               <a:spcBef>
                 <a:spcPct val="0"/>
               </a:spcBef>
@@ -2639,7 +2640,7 @@
             <a:fld id="{CE8E47AE-915C-401E-A2FD-EF1EB5C9DCAA}" type="slidenum">
               <a:rPr lang="en-US" sz="1300"/>
               <a:pPr eaLnBrk="1" hangingPunct="1"/>
-              <a:t>11</a:t>
+              <a:t>12</a:t>
             </a:fld>
             <a:endParaRPr lang="en-US" sz="1300" dirty="0"/>
           </a:p>
@@ -2762,7 +2763,7 @@
         <p:txBody>
           <a:bodyPr/>
           <a:lstStyle>
-            <a:lvl1pPr defTabSz="912715" eaLnBrk="0" hangingPunct="0">
+            <a:lvl1pPr defTabSz="930057" eaLnBrk="0" hangingPunct="0">
               <a:defRPr sz="1600">
                 <a:solidFill>
                   <a:schemeClr val="tx1"/>
@@ -2770,7 +2771,7 @@
                 <a:latin typeface="Arial" charset="0"/>
               </a:defRPr>
             </a:lvl1pPr>
-            <a:lvl2pPr marL="730171" indent="-280835" defTabSz="912715" eaLnBrk="0" hangingPunct="0">
+            <a:lvl2pPr marL="744044" indent="-286171" defTabSz="930057" eaLnBrk="0" hangingPunct="0">
               <a:defRPr sz="1600">
                 <a:solidFill>
                   <a:schemeClr val="tx1"/>
@@ -2778,7 +2779,7 @@
                 <a:latin typeface="Arial" charset="0"/>
               </a:defRPr>
             </a:lvl2pPr>
-            <a:lvl3pPr marL="1123340" indent="-224668" defTabSz="912715" eaLnBrk="0" hangingPunct="0">
+            <a:lvl3pPr marL="1144683" indent="-228937" defTabSz="930057" eaLnBrk="0" hangingPunct="0">
               <a:defRPr sz="1600">
                 <a:solidFill>
                   <a:schemeClr val="tx1"/>
@@ -2786,7 +2787,7 @@
                 <a:latin typeface="Arial" charset="0"/>
               </a:defRPr>
             </a:lvl3pPr>
-            <a:lvl4pPr marL="1572677" indent="-224668" defTabSz="912715" eaLnBrk="0" hangingPunct="0">
+            <a:lvl4pPr marL="1602558" indent="-228937" defTabSz="930057" eaLnBrk="0" hangingPunct="0">
               <a:defRPr sz="1600">
                 <a:solidFill>
                   <a:schemeClr val="tx1"/>
@@ -2794,7 +2795,7 @@
                 <a:latin typeface="Arial" charset="0"/>
               </a:defRPr>
             </a:lvl4pPr>
-            <a:lvl5pPr marL="2022013" indent="-224668" defTabSz="912715" eaLnBrk="0" hangingPunct="0">
+            <a:lvl5pPr marL="2060431" indent="-228937" defTabSz="930057" eaLnBrk="0" hangingPunct="0">
               <a:defRPr sz="1600">
                 <a:solidFill>
                   <a:schemeClr val="tx1"/>
@@ -2802,7 +2803,7 @@
                 <a:latin typeface="Arial" charset="0"/>
               </a:defRPr>
             </a:lvl5pPr>
-            <a:lvl6pPr marL="2471349" indent="-224668" algn="ctr" defTabSz="912715" eaLnBrk="0" fontAlgn="base" hangingPunct="0">
+            <a:lvl6pPr marL="2518305" indent="-228937" algn="ctr" defTabSz="930057" eaLnBrk="0" fontAlgn="base" hangingPunct="0">
               <a:spcBef>
                 <a:spcPct val="0"/>
               </a:spcBef>
@@ -2816,7 +2817,7 @@
                 <a:latin typeface="Arial" charset="0"/>
               </a:defRPr>
             </a:lvl6pPr>
-            <a:lvl7pPr marL="2920685" indent="-224668" algn="ctr" defTabSz="912715" eaLnBrk="0" fontAlgn="base" hangingPunct="0">
+            <a:lvl7pPr marL="2976178" indent="-228937" algn="ctr" defTabSz="930057" eaLnBrk="0" fontAlgn="base" hangingPunct="0">
               <a:spcBef>
                 <a:spcPct val="0"/>
               </a:spcBef>
@@ -2830,7 +2831,7 @@
                 <a:latin typeface="Arial" charset="0"/>
               </a:defRPr>
             </a:lvl7pPr>
-            <a:lvl8pPr marL="3370021" indent="-224668" algn="ctr" defTabSz="912715" eaLnBrk="0" fontAlgn="base" hangingPunct="0">
+            <a:lvl8pPr marL="3434051" indent="-228937" algn="ctr" defTabSz="930057" eaLnBrk="0" fontAlgn="base" hangingPunct="0">
               <a:spcBef>
                 <a:spcPct val="0"/>
               </a:spcBef>
@@ -2844,7 +2845,7 @@
                 <a:latin typeface="Arial" charset="0"/>
               </a:defRPr>
             </a:lvl8pPr>
-            <a:lvl9pPr marL="3819357" indent="-224668" algn="ctr" defTabSz="912715" eaLnBrk="0" fontAlgn="base" hangingPunct="0">
+            <a:lvl9pPr marL="3891925" indent="-228937" algn="ctr" defTabSz="930057" eaLnBrk="0" fontAlgn="base" hangingPunct="0">
               <a:spcBef>
                 <a:spcPct val="0"/>
               </a:spcBef>
@@ -2904,7 +2905,7 @@
         <p:txBody>
           <a:bodyPr/>
           <a:lstStyle>
-            <a:lvl1pPr defTabSz="912715" eaLnBrk="0" hangingPunct="0">
+            <a:lvl1pPr defTabSz="930057" eaLnBrk="0" hangingPunct="0">
               <a:defRPr sz="1600">
                 <a:solidFill>
                   <a:schemeClr val="tx1"/>
@@ -2912,7 +2913,7 @@
                 <a:latin typeface="Arial" charset="0"/>
               </a:defRPr>
             </a:lvl1pPr>
-            <a:lvl2pPr marL="730171" indent="-280835" defTabSz="912715" eaLnBrk="0" hangingPunct="0">
+            <a:lvl2pPr marL="744044" indent="-286171" defTabSz="930057" eaLnBrk="0" hangingPunct="0">
               <a:defRPr sz="1600">
                 <a:solidFill>
                   <a:schemeClr val="tx1"/>
@@ -2920,7 +2921,7 @@
                 <a:latin typeface="Arial" charset="0"/>
               </a:defRPr>
             </a:lvl2pPr>
-            <a:lvl3pPr marL="1123340" indent="-224668" defTabSz="912715" eaLnBrk="0" hangingPunct="0">
+            <a:lvl3pPr marL="1144683" indent="-228937" defTabSz="930057" eaLnBrk="0" hangingPunct="0">
               <a:defRPr sz="1600">
                 <a:solidFill>
                   <a:schemeClr val="tx1"/>
@@ -2928,7 +2929,7 @@
                 <a:latin typeface="Arial" charset="0"/>
               </a:defRPr>
             </a:lvl3pPr>
-            <a:lvl4pPr marL="1572677" indent="-224668" defTabSz="912715" eaLnBrk="0" hangingPunct="0">
+            <a:lvl4pPr marL="1602558" indent="-228937" defTabSz="930057" eaLnBrk="0" hangingPunct="0">
               <a:defRPr sz="1600">
                 <a:solidFill>
                   <a:schemeClr val="tx1"/>
@@ -2936,7 +2937,7 @@
                 <a:latin typeface="Arial" charset="0"/>
               </a:defRPr>
             </a:lvl4pPr>
-            <a:lvl5pPr marL="2022013" indent="-224668" defTabSz="912715" eaLnBrk="0" hangingPunct="0">
+            <a:lvl5pPr marL="2060431" indent="-228937" defTabSz="930057" eaLnBrk="0" hangingPunct="0">
               <a:defRPr sz="1600">
                 <a:solidFill>
                   <a:schemeClr val="tx1"/>
@@ -2944,7 +2945,7 @@
                 <a:latin typeface="Arial" charset="0"/>
               </a:defRPr>
             </a:lvl5pPr>
-            <a:lvl6pPr marL="2471349" indent="-224668" algn="ctr" defTabSz="912715" eaLnBrk="0" fontAlgn="base" hangingPunct="0">
+            <a:lvl6pPr marL="2518305" indent="-228937" algn="ctr" defTabSz="930057" eaLnBrk="0" fontAlgn="base" hangingPunct="0">
               <a:spcBef>
                 <a:spcPct val="0"/>
               </a:spcBef>
@@ -2958,7 +2959,7 @@
                 <a:latin typeface="Arial" charset="0"/>
               </a:defRPr>
             </a:lvl6pPr>
-            <a:lvl7pPr marL="2920685" indent="-224668" algn="ctr" defTabSz="912715" eaLnBrk="0" fontAlgn="base" hangingPunct="0">
+            <a:lvl7pPr marL="2976178" indent="-228937" algn="ctr" defTabSz="930057" eaLnBrk="0" fontAlgn="base" hangingPunct="0">
               <a:spcBef>
                 <a:spcPct val="0"/>
               </a:spcBef>
@@ -2972,7 +2973,7 @@
                 <a:latin typeface="Arial" charset="0"/>
               </a:defRPr>
             </a:lvl7pPr>
-            <a:lvl8pPr marL="3370021" indent="-224668" algn="ctr" defTabSz="912715" eaLnBrk="0" fontAlgn="base" hangingPunct="0">
+            <a:lvl8pPr marL="3434051" indent="-228937" algn="ctr" defTabSz="930057" eaLnBrk="0" fontAlgn="base" hangingPunct="0">
               <a:spcBef>
                 <a:spcPct val="0"/>
               </a:spcBef>
@@ -2986,7 +2987,7 @@
                 <a:latin typeface="Arial" charset="0"/>
               </a:defRPr>
             </a:lvl8pPr>
-            <a:lvl9pPr marL="3819357" indent="-224668" algn="ctr" defTabSz="912715" eaLnBrk="0" fontAlgn="base" hangingPunct="0">
+            <a:lvl9pPr marL="3891925" indent="-228937" algn="ctr" defTabSz="930057" eaLnBrk="0" fontAlgn="base" hangingPunct="0">
               <a:spcBef>
                 <a:spcPct val="0"/>
               </a:spcBef>
@@ -3046,7 +3047,7 @@
         <p:txBody>
           <a:bodyPr/>
           <a:lstStyle>
-            <a:lvl1pPr defTabSz="912715" eaLnBrk="0" hangingPunct="0">
+            <a:lvl1pPr defTabSz="930057" eaLnBrk="0" hangingPunct="0">
               <a:defRPr sz="1600">
                 <a:solidFill>
                   <a:schemeClr val="tx1"/>
@@ -3054,7 +3055,7 @@
                 <a:latin typeface="Arial" charset="0"/>
               </a:defRPr>
             </a:lvl1pPr>
-            <a:lvl2pPr marL="730171" indent="-280835" defTabSz="912715" eaLnBrk="0" hangingPunct="0">
+            <a:lvl2pPr marL="744044" indent="-286171" defTabSz="930057" eaLnBrk="0" hangingPunct="0">
               <a:defRPr sz="1600">
                 <a:solidFill>
                   <a:schemeClr val="tx1"/>
@@ -3062,7 +3063,7 @@
                 <a:latin typeface="Arial" charset="0"/>
               </a:defRPr>
             </a:lvl2pPr>
-            <a:lvl3pPr marL="1123340" indent="-224668" defTabSz="912715" eaLnBrk="0" hangingPunct="0">
+            <a:lvl3pPr marL="1144683" indent="-228937" defTabSz="930057" eaLnBrk="0" hangingPunct="0">
               <a:defRPr sz="1600">
                 <a:solidFill>
                   <a:schemeClr val="tx1"/>
@@ -3070,7 +3071,7 @@
                 <a:latin typeface="Arial" charset="0"/>
               </a:defRPr>
             </a:lvl3pPr>
-            <a:lvl4pPr marL="1572677" indent="-224668" defTabSz="912715" eaLnBrk="0" hangingPunct="0">
+            <a:lvl4pPr marL="1602558" indent="-228937" defTabSz="930057" eaLnBrk="0" hangingPunct="0">
               <a:defRPr sz="1600">
                 <a:solidFill>
                   <a:schemeClr val="tx1"/>
@@ -3078,7 +3079,7 @@
                 <a:latin typeface="Arial" charset="0"/>
               </a:defRPr>
             </a:lvl4pPr>
-            <a:lvl5pPr marL="2022013" indent="-224668" defTabSz="912715" eaLnBrk="0" hangingPunct="0">
+            <a:lvl5pPr marL="2060431" indent="-228937" defTabSz="930057" eaLnBrk="0" hangingPunct="0">
               <a:defRPr sz="1600">
                 <a:solidFill>
                   <a:schemeClr val="tx1"/>
@@ -3086,7 +3087,7 @@
                 <a:latin typeface="Arial" charset="0"/>
               </a:defRPr>
             </a:lvl5pPr>
-            <a:lvl6pPr marL="2471349" indent="-224668" algn="ctr" defTabSz="912715" eaLnBrk="0" fontAlgn="base" hangingPunct="0">
+            <a:lvl6pPr marL="2518305" indent="-228937" algn="ctr" defTabSz="930057" eaLnBrk="0" fontAlgn="base" hangingPunct="0">
               <a:spcBef>
                 <a:spcPct val="0"/>
               </a:spcBef>
@@ -3100,7 +3101,7 @@
                 <a:latin typeface="Arial" charset="0"/>
               </a:defRPr>
             </a:lvl6pPr>
-            <a:lvl7pPr marL="2920685" indent="-224668" algn="ctr" defTabSz="912715" eaLnBrk="0" fontAlgn="base" hangingPunct="0">
+            <a:lvl7pPr marL="2976178" indent="-228937" algn="ctr" defTabSz="930057" eaLnBrk="0" fontAlgn="base" hangingPunct="0">
               <a:spcBef>
                 <a:spcPct val="0"/>
               </a:spcBef>
@@ -3114,7 +3115,7 @@
                 <a:latin typeface="Arial" charset="0"/>
               </a:defRPr>
             </a:lvl7pPr>
-            <a:lvl8pPr marL="3370021" indent="-224668" algn="ctr" defTabSz="912715" eaLnBrk="0" fontAlgn="base" hangingPunct="0">
+            <a:lvl8pPr marL="3434051" indent="-228937" algn="ctr" defTabSz="930057" eaLnBrk="0" fontAlgn="base" hangingPunct="0">
               <a:spcBef>
                 <a:spcPct val="0"/>
               </a:spcBef>
@@ -3128,7 +3129,7 @@
                 <a:latin typeface="Arial" charset="0"/>
               </a:defRPr>
             </a:lvl8pPr>
-            <a:lvl9pPr marL="3819357" indent="-224668" algn="ctr" defTabSz="912715" eaLnBrk="0" fontAlgn="base" hangingPunct="0">
+            <a:lvl9pPr marL="3891925" indent="-228937" algn="ctr" defTabSz="930057" eaLnBrk="0" fontAlgn="base" hangingPunct="0">
               <a:spcBef>
                 <a:spcPct val="0"/>
               </a:spcBef>
@@ -3188,7 +3189,7 @@
         <p:txBody>
           <a:bodyPr/>
           <a:lstStyle>
-            <a:lvl1pPr defTabSz="912715" eaLnBrk="0" hangingPunct="0">
+            <a:lvl1pPr defTabSz="930057" eaLnBrk="0" hangingPunct="0">
               <a:defRPr sz="1600">
                 <a:solidFill>
                   <a:schemeClr val="tx1"/>
@@ -3196,7 +3197,7 @@
                 <a:latin typeface="Arial" charset="0"/>
               </a:defRPr>
             </a:lvl1pPr>
-            <a:lvl2pPr marL="730171" indent="-280835" defTabSz="912715" eaLnBrk="0" hangingPunct="0">
+            <a:lvl2pPr marL="744044" indent="-286171" defTabSz="930057" eaLnBrk="0" hangingPunct="0">
               <a:defRPr sz="1600">
                 <a:solidFill>
                   <a:schemeClr val="tx1"/>
@@ -3204,7 +3205,7 @@
                 <a:latin typeface="Arial" charset="0"/>
               </a:defRPr>
             </a:lvl2pPr>
-            <a:lvl3pPr marL="1123340" indent="-224668" defTabSz="912715" eaLnBrk="0" hangingPunct="0">
+            <a:lvl3pPr marL="1144683" indent="-228937" defTabSz="930057" eaLnBrk="0" hangingPunct="0">
               <a:defRPr sz="1600">
                 <a:solidFill>
                   <a:schemeClr val="tx1"/>
@@ -3212,7 +3213,7 @@
                 <a:latin typeface="Arial" charset="0"/>
               </a:defRPr>
             </a:lvl3pPr>
-            <a:lvl4pPr marL="1572677" indent="-224668" defTabSz="912715" eaLnBrk="0" hangingPunct="0">
+            <a:lvl4pPr marL="1602558" indent="-228937" defTabSz="930057" eaLnBrk="0" hangingPunct="0">
               <a:defRPr sz="1600">
                 <a:solidFill>
                   <a:schemeClr val="tx1"/>
@@ -3220,7 +3221,7 @@
                 <a:latin typeface="Arial" charset="0"/>
               </a:defRPr>
             </a:lvl4pPr>
-            <a:lvl5pPr marL="2022013" indent="-224668" defTabSz="912715" eaLnBrk="0" hangingPunct="0">
+            <a:lvl5pPr marL="2060431" indent="-228937" defTabSz="930057" eaLnBrk="0" hangingPunct="0">
               <a:defRPr sz="1600">
                 <a:solidFill>
                   <a:schemeClr val="tx1"/>
@@ -3228,7 +3229,7 @@
                 <a:latin typeface="Arial" charset="0"/>
               </a:defRPr>
             </a:lvl5pPr>
-            <a:lvl6pPr marL="2471349" indent="-224668" algn="ctr" defTabSz="912715" eaLnBrk="0" fontAlgn="base" hangingPunct="0">
+            <a:lvl6pPr marL="2518305" indent="-228937" algn="ctr" defTabSz="930057" eaLnBrk="0" fontAlgn="base" hangingPunct="0">
               <a:spcBef>
                 <a:spcPct val="0"/>
               </a:spcBef>
@@ -3242,7 +3243,7 @@
                 <a:latin typeface="Arial" charset="0"/>
               </a:defRPr>
             </a:lvl6pPr>
-            <a:lvl7pPr marL="2920685" indent="-224668" algn="ctr" defTabSz="912715" eaLnBrk="0" fontAlgn="base" hangingPunct="0">
+            <a:lvl7pPr marL="2976178" indent="-228937" algn="ctr" defTabSz="930057" eaLnBrk="0" fontAlgn="base" hangingPunct="0">
               <a:spcBef>
                 <a:spcPct val="0"/>
               </a:spcBef>
@@ -3256,7 +3257,7 @@
                 <a:latin typeface="Arial" charset="0"/>
               </a:defRPr>
             </a:lvl7pPr>
-            <a:lvl8pPr marL="3370021" indent="-224668" algn="ctr" defTabSz="912715" eaLnBrk="0" fontAlgn="base" hangingPunct="0">
+            <a:lvl8pPr marL="3434051" indent="-228937" algn="ctr" defTabSz="930057" eaLnBrk="0" fontAlgn="base" hangingPunct="0">
               <a:spcBef>
                 <a:spcPct val="0"/>
               </a:spcBef>
@@ -3270,7 +3271,7 @@
                 <a:latin typeface="Arial" charset="0"/>
               </a:defRPr>
             </a:lvl8pPr>
-            <a:lvl9pPr marL="3819357" indent="-224668" algn="ctr" defTabSz="912715" eaLnBrk="0" fontAlgn="base" hangingPunct="0">
+            <a:lvl9pPr marL="3891925" indent="-228937" algn="ctr" defTabSz="930057" eaLnBrk="0" fontAlgn="base" hangingPunct="0">
               <a:spcBef>
                 <a:spcPct val="0"/>
               </a:spcBef>
@@ -3290,7 +3291,7 @@
             <a:fld id="{7176A7B3-E819-4699-86D9-FE8F30934E02}" type="slidenum">
               <a:rPr lang="en-US" sz="1300"/>
               <a:pPr eaLnBrk="1" hangingPunct="1"/>
-              <a:t>12</a:t>
+              <a:t>13</a:t>
             </a:fld>
             <a:endParaRPr lang="en-US" sz="1300" dirty="0"/>
           </a:p>
@@ -3413,7 +3414,7 @@
         <p:txBody>
           <a:bodyPr/>
           <a:lstStyle>
-            <a:lvl1pPr defTabSz="912715" eaLnBrk="0" hangingPunct="0">
+            <a:lvl1pPr defTabSz="930057" eaLnBrk="0" hangingPunct="0">
               <a:defRPr sz="1600">
                 <a:solidFill>
                   <a:schemeClr val="tx1"/>
@@ -3421,7 +3422,7 @@
                 <a:latin typeface="Arial" charset="0"/>
               </a:defRPr>
             </a:lvl1pPr>
-            <a:lvl2pPr marL="730171" indent="-280835" defTabSz="912715" eaLnBrk="0" hangingPunct="0">
+            <a:lvl2pPr marL="744044" indent="-286171" defTabSz="930057" eaLnBrk="0" hangingPunct="0">
               <a:defRPr sz="1600">
                 <a:solidFill>
                   <a:schemeClr val="tx1"/>
@@ -3429,7 +3430,7 @@
                 <a:latin typeface="Arial" charset="0"/>
               </a:defRPr>
             </a:lvl2pPr>
-            <a:lvl3pPr marL="1123340" indent="-224668" defTabSz="912715" eaLnBrk="0" hangingPunct="0">
+            <a:lvl3pPr marL="1144683" indent="-228937" defTabSz="930057" eaLnBrk="0" hangingPunct="0">
               <a:defRPr sz="1600">
                 <a:solidFill>
                   <a:schemeClr val="tx1"/>
@@ -3437,7 +3438,7 @@
                 <a:latin typeface="Arial" charset="0"/>
               </a:defRPr>
             </a:lvl3pPr>
-            <a:lvl4pPr marL="1572677" indent="-224668" defTabSz="912715" eaLnBrk="0" hangingPunct="0">
+            <a:lvl4pPr marL="1602558" indent="-228937" defTabSz="930057" eaLnBrk="0" hangingPunct="0">
               <a:defRPr sz="1600">
                 <a:solidFill>
                   <a:schemeClr val="tx1"/>
@@ -3445,7 +3446,7 @@
                 <a:latin typeface="Arial" charset="0"/>
               </a:defRPr>
             </a:lvl4pPr>
-            <a:lvl5pPr marL="2022013" indent="-224668" defTabSz="912715" eaLnBrk="0" hangingPunct="0">
+            <a:lvl5pPr marL="2060431" indent="-228937" defTabSz="930057" eaLnBrk="0" hangingPunct="0">
               <a:defRPr sz="1600">
                 <a:solidFill>
                   <a:schemeClr val="tx1"/>
@@ -3453,7 +3454,7 @@
                 <a:latin typeface="Arial" charset="0"/>
               </a:defRPr>
             </a:lvl5pPr>
-            <a:lvl6pPr marL="2471349" indent="-224668" algn="ctr" defTabSz="912715" eaLnBrk="0" fontAlgn="base" hangingPunct="0">
+            <a:lvl6pPr marL="2518305" indent="-228937" algn="ctr" defTabSz="930057" eaLnBrk="0" fontAlgn="base" hangingPunct="0">
               <a:spcBef>
                 <a:spcPct val="0"/>
               </a:spcBef>
@@ -3467,7 +3468,7 @@
                 <a:latin typeface="Arial" charset="0"/>
               </a:defRPr>
             </a:lvl6pPr>
-            <a:lvl7pPr marL="2920685" indent="-224668" algn="ctr" defTabSz="912715" eaLnBrk="0" fontAlgn="base" hangingPunct="0">
+            <a:lvl7pPr marL="2976178" indent="-228937" algn="ctr" defTabSz="930057" eaLnBrk="0" fontAlgn="base" hangingPunct="0">
               <a:spcBef>
                 <a:spcPct val="0"/>
               </a:spcBef>
@@ -3481,7 +3482,7 @@
                 <a:latin typeface="Arial" charset="0"/>
               </a:defRPr>
             </a:lvl7pPr>
-            <a:lvl8pPr marL="3370021" indent="-224668" algn="ctr" defTabSz="912715" eaLnBrk="0" fontAlgn="base" hangingPunct="0">
+            <a:lvl8pPr marL="3434051" indent="-228937" algn="ctr" defTabSz="930057" eaLnBrk="0" fontAlgn="base" hangingPunct="0">
               <a:spcBef>
                 <a:spcPct val="0"/>
               </a:spcBef>
@@ -3495,7 +3496,7 @@
                 <a:latin typeface="Arial" charset="0"/>
               </a:defRPr>
             </a:lvl8pPr>
-            <a:lvl9pPr marL="3819357" indent="-224668" algn="ctr" defTabSz="912715" eaLnBrk="0" fontAlgn="base" hangingPunct="0">
+            <a:lvl9pPr marL="3891925" indent="-228937" algn="ctr" defTabSz="930057" eaLnBrk="0" fontAlgn="base" hangingPunct="0">
               <a:spcBef>
                 <a:spcPct val="0"/>
               </a:spcBef>
@@ -3555,7 +3556,7 @@
         <p:txBody>
           <a:bodyPr/>
           <a:lstStyle>
-            <a:lvl1pPr defTabSz="912715" eaLnBrk="0" hangingPunct="0">
+            <a:lvl1pPr defTabSz="930057" eaLnBrk="0" hangingPunct="0">
               <a:defRPr sz="1600">
                 <a:solidFill>
                   <a:schemeClr val="tx1"/>
@@ -3563,7 +3564,7 @@
                 <a:latin typeface="Arial" charset="0"/>
               </a:defRPr>
             </a:lvl1pPr>
-            <a:lvl2pPr marL="730171" indent="-280835" defTabSz="912715" eaLnBrk="0" hangingPunct="0">
+            <a:lvl2pPr marL="744044" indent="-286171" defTabSz="930057" eaLnBrk="0" hangingPunct="0">
               <a:defRPr sz="1600">
                 <a:solidFill>
                   <a:schemeClr val="tx1"/>
@@ -3571,7 +3572,7 @@
                 <a:latin typeface="Arial" charset="0"/>
               </a:defRPr>
             </a:lvl2pPr>
-            <a:lvl3pPr marL="1123340" indent="-224668" defTabSz="912715" eaLnBrk="0" hangingPunct="0">
+            <a:lvl3pPr marL="1144683" indent="-228937" defTabSz="930057" eaLnBrk="0" hangingPunct="0">
               <a:defRPr sz="1600">
                 <a:solidFill>
                   <a:schemeClr val="tx1"/>
@@ -3579,7 +3580,7 @@
                 <a:latin typeface="Arial" charset="0"/>
               </a:defRPr>
             </a:lvl3pPr>
-            <a:lvl4pPr marL="1572677" indent="-224668" defTabSz="912715" eaLnBrk="0" hangingPunct="0">
+            <a:lvl4pPr marL="1602558" indent="-228937" defTabSz="930057" eaLnBrk="0" hangingPunct="0">
               <a:defRPr sz="1600">
                 <a:solidFill>
                   <a:schemeClr val="tx1"/>
@@ -3587,7 +3588,7 @@
                 <a:latin typeface="Arial" charset="0"/>
               </a:defRPr>
             </a:lvl4pPr>
-            <a:lvl5pPr marL="2022013" indent="-224668" defTabSz="912715" eaLnBrk="0" hangingPunct="0">
+            <a:lvl5pPr marL="2060431" indent="-228937" defTabSz="930057" eaLnBrk="0" hangingPunct="0">
               <a:defRPr sz="1600">
                 <a:solidFill>
                   <a:schemeClr val="tx1"/>
@@ -3595,7 +3596,7 @@
                 <a:latin typeface="Arial" charset="0"/>
               </a:defRPr>
             </a:lvl5pPr>
-            <a:lvl6pPr marL="2471349" indent="-224668" algn="ctr" defTabSz="912715" eaLnBrk="0" fontAlgn="base" hangingPunct="0">
+            <a:lvl6pPr marL="2518305" indent="-228937" algn="ctr" defTabSz="930057" eaLnBrk="0" fontAlgn="base" hangingPunct="0">
               <a:spcBef>
                 <a:spcPct val="0"/>
               </a:spcBef>
@@ -3609,7 +3610,7 @@
                 <a:latin typeface="Arial" charset="0"/>
               </a:defRPr>
             </a:lvl6pPr>
-            <a:lvl7pPr marL="2920685" indent="-224668" algn="ctr" defTabSz="912715" eaLnBrk="0" fontAlgn="base" hangingPunct="0">
+            <a:lvl7pPr marL="2976178" indent="-228937" algn="ctr" defTabSz="930057" eaLnBrk="0" fontAlgn="base" hangingPunct="0">
               <a:spcBef>
                 <a:spcPct val="0"/>
               </a:spcBef>
@@ -3623,7 +3624,7 @@
                 <a:latin typeface="Arial" charset="0"/>
               </a:defRPr>
             </a:lvl7pPr>
-            <a:lvl8pPr marL="3370021" indent="-224668" algn="ctr" defTabSz="912715" eaLnBrk="0" fontAlgn="base" hangingPunct="0">
+            <a:lvl8pPr marL="3434051" indent="-228937" algn="ctr" defTabSz="930057" eaLnBrk="0" fontAlgn="base" hangingPunct="0">
               <a:spcBef>
                 <a:spcPct val="0"/>
               </a:spcBef>
@@ -3637,7 +3638,7 @@
                 <a:latin typeface="Arial" charset="0"/>
               </a:defRPr>
             </a:lvl8pPr>
-            <a:lvl9pPr marL="3819357" indent="-224668" algn="ctr" defTabSz="912715" eaLnBrk="0" fontAlgn="base" hangingPunct="0">
+            <a:lvl9pPr marL="3891925" indent="-228937" algn="ctr" defTabSz="930057" eaLnBrk="0" fontAlgn="base" hangingPunct="0">
               <a:spcBef>
                 <a:spcPct val="0"/>
               </a:spcBef>
@@ -3697,7 +3698,7 @@
         <p:txBody>
           <a:bodyPr/>
           <a:lstStyle>
-            <a:lvl1pPr defTabSz="912715" eaLnBrk="0" hangingPunct="0">
+            <a:lvl1pPr defTabSz="930057" eaLnBrk="0" hangingPunct="0">
               <a:defRPr sz="1600">
                 <a:solidFill>
                   <a:schemeClr val="tx1"/>
@@ -3705,7 +3706,7 @@
                 <a:latin typeface="Arial" charset="0"/>
               </a:defRPr>
             </a:lvl1pPr>
-            <a:lvl2pPr marL="730171" indent="-280835" defTabSz="912715" eaLnBrk="0" hangingPunct="0">
+            <a:lvl2pPr marL="744044" indent="-286171" defTabSz="930057" eaLnBrk="0" hangingPunct="0">
               <a:defRPr sz="1600">
                 <a:solidFill>
                   <a:schemeClr val="tx1"/>
@@ -3713,7 +3714,7 @@
                 <a:latin typeface="Arial" charset="0"/>
               </a:defRPr>
             </a:lvl2pPr>
-            <a:lvl3pPr marL="1123340" indent="-224668" defTabSz="912715" eaLnBrk="0" hangingPunct="0">
+            <a:lvl3pPr marL="1144683" indent="-228937" defTabSz="930057" eaLnBrk="0" hangingPunct="0">
               <a:defRPr sz="1600">
                 <a:solidFill>
                   <a:schemeClr val="tx1"/>
@@ -3721,7 +3722,7 @@
                 <a:latin typeface="Arial" charset="0"/>
               </a:defRPr>
             </a:lvl3pPr>
-            <a:lvl4pPr marL="1572677" indent="-224668" defTabSz="912715" eaLnBrk="0" hangingPunct="0">
+            <a:lvl4pPr marL="1602558" indent="-228937" defTabSz="930057" eaLnBrk="0" hangingPunct="0">
               <a:defRPr sz="1600">
                 <a:solidFill>
                   <a:schemeClr val="tx1"/>
@@ -3729,7 +3730,7 @@
                 <a:latin typeface="Arial" charset="0"/>
               </a:defRPr>
             </a:lvl4pPr>
-            <a:lvl5pPr marL="2022013" indent="-224668" defTabSz="912715" eaLnBrk="0" hangingPunct="0">
+            <a:lvl5pPr marL="2060431" indent="-228937" defTabSz="930057" eaLnBrk="0" hangingPunct="0">
               <a:defRPr sz="1600">
                 <a:solidFill>
                   <a:schemeClr val="tx1"/>
@@ -3737,7 +3738,7 @@
                 <a:latin typeface="Arial" charset="0"/>
               </a:defRPr>
             </a:lvl5pPr>
-            <a:lvl6pPr marL="2471349" indent="-224668" algn="ctr" defTabSz="912715" eaLnBrk="0" fontAlgn="base" hangingPunct="0">
+            <a:lvl6pPr marL="2518305" indent="-228937" algn="ctr" defTabSz="930057" eaLnBrk="0" fontAlgn="base" hangingPunct="0">
               <a:spcBef>
                 <a:spcPct val="0"/>
               </a:spcBef>
@@ -3751,7 +3752,7 @@
                 <a:latin typeface="Arial" charset="0"/>
               </a:defRPr>
             </a:lvl6pPr>
-            <a:lvl7pPr marL="2920685" indent="-224668" algn="ctr" defTabSz="912715" eaLnBrk="0" fontAlgn="base" hangingPunct="0">
+            <a:lvl7pPr marL="2976178" indent="-228937" algn="ctr" defTabSz="930057" eaLnBrk="0" fontAlgn="base" hangingPunct="0">
               <a:spcBef>
                 <a:spcPct val="0"/>
               </a:spcBef>
@@ -3765,7 +3766,7 @@
                 <a:latin typeface="Arial" charset="0"/>
               </a:defRPr>
             </a:lvl7pPr>
-            <a:lvl8pPr marL="3370021" indent="-224668" algn="ctr" defTabSz="912715" eaLnBrk="0" fontAlgn="base" hangingPunct="0">
+            <a:lvl8pPr marL="3434051" indent="-228937" algn="ctr" defTabSz="930057" eaLnBrk="0" fontAlgn="base" hangingPunct="0">
               <a:spcBef>
                 <a:spcPct val="0"/>
               </a:spcBef>
@@ -3779,7 +3780,7 @@
                 <a:latin typeface="Arial" charset="0"/>
               </a:defRPr>
             </a:lvl8pPr>
-            <a:lvl9pPr marL="3819357" indent="-224668" algn="ctr" defTabSz="912715" eaLnBrk="0" fontAlgn="base" hangingPunct="0">
+            <a:lvl9pPr marL="3891925" indent="-228937" algn="ctr" defTabSz="930057" eaLnBrk="0" fontAlgn="base" hangingPunct="0">
               <a:spcBef>
                 <a:spcPct val="0"/>
               </a:spcBef>
@@ -3839,7 +3840,7 @@
         <p:txBody>
           <a:bodyPr/>
           <a:lstStyle>
-            <a:lvl1pPr defTabSz="912715" eaLnBrk="0" hangingPunct="0">
+            <a:lvl1pPr defTabSz="930057" eaLnBrk="0" hangingPunct="0">
               <a:defRPr sz="1600">
                 <a:solidFill>
                   <a:schemeClr val="tx1"/>
@@ -3847,7 +3848,7 @@
                 <a:latin typeface="Arial" charset="0"/>
               </a:defRPr>
             </a:lvl1pPr>
-            <a:lvl2pPr marL="730171" indent="-280835" defTabSz="912715" eaLnBrk="0" hangingPunct="0">
+            <a:lvl2pPr marL="744044" indent="-286171" defTabSz="930057" eaLnBrk="0" hangingPunct="0">
               <a:defRPr sz="1600">
                 <a:solidFill>
                   <a:schemeClr val="tx1"/>
@@ -3855,7 +3856,7 @@
                 <a:latin typeface="Arial" charset="0"/>
               </a:defRPr>
             </a:lvl2pPr>
-            <a:lvl3pPr marL="1123340" indent="-224668" defTabSz="912715" eaLnBrk="0" hangingPunct="0">
+            <a:lvl3pPr marL="1144683" indent="-228937" defTabSz="930057" eaLnBrk="0" hangingPunct="0">
               <a:defRPr sz="1600">
                 <a:solidFill>
                   <a:schemeClr val="tx1"/>
@@ -3863,7 +3864,7 @@
                 <a:latin typeface="Arial" charset="0"/>
               </a:defRPr>
             </a:lvl3pPr>
-            <a:lvl4pPr marL="1572677" indent="-224668" defTabSz="912715" eaLnBrk="0" hangingPunct="0">
+            <a:lvl4pPr marL="1602558" indent="-228937" defTabSz="930057" eaLnBrk="0" hangingPunct="0">
               <a:defRPr sz="1600">
                 <a:solidFill>
                   <a:schemeClr val="tx1"/>
@@ -3871,7 +3872,7 @@
                 <a:latin typeface="Arial" charset="0"/>
               </a:defRPr>
             </a:lvl4pPr>
-            <a:lvl5pPr marL="2022013" indent="-224668" defTabSz="912715" eaLnBrk="0" hangingPunct="0">
+            <a:lvl5pPr marL="2060431" indent="-228937" defTabSz="930057" eaLnBrk="0" hangingPunct="0">
               <a:defRPr sz="1600">
                 <a:solidFill>
                   <a:schemeClr val="tx1"/>
@@ -3879,7 +3880,7 @@
                 <a:latin typeface="Arial" charset="0"/>
               </a:defRPr>
             </a:lvl5pPr>
-            <a:lvl6pPr marL="2471349" indent="-224668" algn="ctr" defTabSz="912715" eaLnBrk="0" fontAlgn="base" hangingPunct="0">
+            <a:lvl6pPr marL="2518305" indent="-228937" algn="ctr" defTabSz="930057" eaLnBrk="0" fontAlgn="base" hangingPunct="0">
               <a:spcBef>
                 <a:spcPct val="0"/>
               </a:spcBef>
@@ -3893,7 +3894,7 @@
                 <a:latin typeface="Arial" charset="0"/>
               </a:defRPr>
             </a:lvl6pPr>
-            <a:lvl7pPr marL="2920685" indent="-224668" algn="ctr" defTabSz="912715" eaLnBrk="0" fontAlgn="base" hangingPunct="0">
+            <a:lvl7pPr marL="2976178" indent="-228937" algn="ctr" defTabSz="930057" eaLnBrk="0" fontAlgn="base" hangingPunct="0">
               <a:spcBef>
                 <a:spcPct val="0"/>
               </a:spcBef>
@@ -3907,7 +3908,7 @@
                 <a:latin typeface="Arial" charset="0"/>
               </a:defRPr>
             </a:lvl7pPr>
-            <a:lvl8pPr marL="3370021" indent="-224668" algn="ctr" defTabSz="912715" eaLnBrk="0" fontAlgn="base" hangingPunct="0">
+            <a:lvl8pPr marL="3434051" indent="-228937" algn="ctr" defTabSz="930057" eaLnBrk="0" fontAlgn="base" hangingPunct="0">
               <a:spcBef>
                 <a:spcPct val="0"/>
               </a:spcBef>
@@ -3921,7 +3922,7 @@
                 <a:latin typeface="Arial" charset="0"/>
               </a:defRPr>
             </a:lvl8pPr>
-            <a:lvl9pPr marL="3819357" indent="-224668" algn="ctr" defTabSz="912715" eaLnBrk="0" fontAlgn="base" hangingPunct="0">
+            <a:lvl9pPr marL="3891925" indent="-228937" algn="ctr" defTabSz="930057" eaLnBrk="0" fontAlgn="base" hangingPunct="0">
               <a:spcBef>
                 <a:spcPct val="0"/>
               </a:spcBef>
@@ -3941,7 +3942,7 @@
             <a:fld id="{5CD8F24C-0991-4625-9FDD-BC12DF69D1C4}" type="slidenum">
               <a:rPr lang="en-US" sz="1300"/>
               <a:pPr eaLnBrk="1" hangingPunct="1"/>
-              <a:t>13</a:t>
+              <a:t>14</a:t>
             </a:fld>
             <a:endParaRPr lang="en-US" sz="1300" dirty="0"/>
           </a:p>
@@ -7173,9 +7174,9 @@
       </p:grpSpPr>
       <p:sp>
         <p:nvSpPr>
-          <p:cNvPr id="11267" name="Rectangle 2"/>
-          <p:cNvSpPr>
-            <a:spLocks noGrp="1" noChangeArrowheads="1"/>
+          <p:cNvPr id="10242" name="Title 1"/>
+          <p:cNvSpPr>
+            <a:spLocks noGrp="1"/>
           </p:cNvSpPr>
           <p:nvPr>
             <p:ph type="title"/>
@@ -7183,15 +7184,59 @@
         </p:nvSpPr>
         <p:spPr/>
         <p:txBody>
-          <a:bodyPr>
-            <a:normAutofit/>
-          </a:bodyPr>
+          <a:bodyPr/>
           <a:lstStyle/>
           <a:p>
             <a:r>
-              <a:rPr lang="en-US" sz="4000" dirty="0" smtClean="0"/>
-              <a:t>System Architecture</a:t>
-            </a:r>
+              <a:rPr lang="en-US" dirty="0" smtClean="0"/>
+              <a:t>Technical Specifications</a:t>
+            </a:r>
+          </a:p>
+        </p:txBody>
+      </p:sp>
+      <p:sp>
+        <p:nvSpPr>
+          <p:cNvPr id="10243" name="Content Placeholder 2"/>
+          <p:cNvSpPr>
+            <a:spLocks noGrp="1"/>
+          </p:cNvSpPr>
+          <p:nvPr>
+            <p:ph idx="1"/>
+          </p:nvPr>
+        </p:nvSpPr>
+        <p:spPr/>
+        <p:txBody>
+          <a:bodyPr/>
+          <a:lstStyle/>
+          <a:p>
+            <a:r>
+              <a:rPr lang="en-US" dirty="0" smtClean="0"/>
+              <a:t>Infographic will be based on Key Performance Indicator (KPI) data from SQL database</a:t>
+            </a:r>
+          </a:p>
+          <a:p>
+            <a:r>
+              <a:rPr lang="en-US" dirty="0" smtClean="0"/>
+              <a:t>Pass database information to infographic via XML file</a:t>
+            </a:r>
+          </a:p>
+          <a:p>
+            <a:r>
+              <a:rPr lang="en-US" dirty="0" smtClean="0"/>
+              <a:t>Each infographic written in HTML5 and JavaScript</a:t>
+            </a:r>
+          </a:p>
+          <a:p>
+            <a:r>
+              <a:rPr lang="en-US" dirty="0" smtClean="0"/>
+              <a:t>Supported on iPad via Safari</a:t>
+            </a:r>
+          </a:p>
+          <a:p>
+            <a:endParaRPr lang="en-US" dirty="0" smtClean="0"/>
+          </a:p>
+          <a:p>
+            <a:endParaRPr lang="en-US" dirty="0" smtClean="0"/>
           </a:p>
         </p:txBody>
       </p:sp>
@@ -7225,13 +7270,13 @@
             <a:spLocks noGrp="1"/>
           </p:cNvSpPr>
           <p:nvPr>
-            <p:ph type="ftr" sz="quarter" idx="3"/>
+            <p:ph type="ftr" sz="quarter" idx="11"/>
           </p:nvPr>
         </p:nvSpPr>
         <p:spPr>
           <a:xfrm>
-            <a:off x="3352800" y="6492875"/>
-            <a:ext cx="2895600" cy="365125"/>
+            <a:off x="2590800" y="6492875"/>
+            <a:ext cx="4419600" cy="365125"/>
           </a:xfrm>
         </p:spPr>
         <p:txBody>
@@ -7270,36 +7315,10 @@
           </a:p>
         </p:txBody>
       </p:sp>
-      <p:pic>
-        <p:nvPicPr>
-          <p:cNvPr id="5121" name="Picture 1" descr="C:\Users\Kevin\Desktop\Capstone\Capstone_-_System_Architecture_Diagram.png"/>
-          <p:cNvPicPr>
-            <a:picLocks noChangeAspect="1" noChangeArrowheads="1"/>
-          </p:cNvPicPr>
-          <p:nvPr/>
-        </p:nvPicPr>
-        <p:blipFill>
-          <a:blip r:embed="rId3" cstate="print"/>
-          <a:srcRect/>
-          <a:stretch>
-            <a:fillRect/>
-          </a:stretch>
-        </p:blipFill>
-        <p:spPr bwMode="auto">
-          <a:xfrm>
-            <a:off x="838200" y="1790700"/>
-            <a:ext cx="7648575" cy="4000500"/>
-          </a:xfrm>
-          <a:prstGeom prst="rect">
-            <a:avLst/>
-          </a:prstGeom>
-          <a:noFill/>
-        </p:spPr>
-      </p:pic>
     </p:spTree>
     <p:extLst>
       <p:ext uri="{BB962C8B-B14F-4D97-AF65-F5344CB8AC3E}">
-        <p14:creationId xmlns="" xmlns:p14="http://schemas.microsoft.com/office/powerpoint/2010/main" val="1897673321"/>
+        <p14:creationId xmlns="" xmlns:p14="http://schemas.microsoft.com/office/powerpoint/2010/main" val="3021871041"/>
       </p:ext>
     </p:extLst>
   </p:cSld>
@@ -7335,34 +7354,12 @@
       </p:grpSpPr>
       <p:sp>
         <p:nvSpPr>
-          <p:cNvPr id="12291" name="Rectangle 2"/>
+          <p:cNvPr id="11267" name="Rectangle 2"/>
           <p:cNvSpPr>
             <a:spLocks noGrp="1" noChangeArrowheads="1"/>
           </p:cNvSpPr>
           <p:nvPr>
             <p:ph type="title"/>
-          </p:nvPr>
-        </p:nvSpPr>
-        <p:spPr/>
-        <p:txBody>
-          <a:bodyPr/>
-          <a:lstStyle/>
-          <a:p>
-            <a:r>
-              <a:rPr lang="en-US" dirty="0" smtClean="0"/>
-              <a:t>System Components</a:t>
-            </a:r>
-          </a:p>
-        </p:txBody>
-      </p:sp>
-      <p:sp>
-        <p:nvSpPr>
-          <p:cNvPr id="12292" name="Rectangle 3"/>
-          <p:cNvSpPr>
-            <a:spLocks noGrp="1" noChangeArrowheads="1"/>
-          </p:cNvSpPr>
-          <p:nvPr>
-            <p:ph type="body" idx="1"/>
           </p:nvPr>
         </p:nvSpPr>
         <p:spPr/>
@@ -7373,63 +7370,9 @@
           <a:lstStyle/>
           <a:p>
             <a:r>
-              <a:rPr lang="en-US" dirty="0" smtClean="0"/>
-              <a:t>Hardware Platforms</a:t>
-            </a:r>
-          </a:p>
-          <a:p>
-            <a:pPr lvl="1"/>
-            <a:r>
-              <a:rPr lang="en-US" dirty="0" smtClean="0"/>
-              <a:t>iPad </a:t>
-            </a:r>
-          </a:p>
-          <a:p>
-            <a:pPr lvl="1"/>
-            <a:r>
-              <a:rPr lang="en-US" dirty="0" smtClean="0"/>
-              <a:t>Personal Computer</a:t>
-            </a:r>
-          </a:p>
-          <a:p>
-            <a:pPr lvl="1"/>
-            <a:r>
-              <a:rPr lang="en-US" dirty="0" smtClean="0"/>
-              <a:t>Web Server</a:t>
-            </a:r>
-          </a:p>
-          <a:p>
-            <a:r>
-              <a:rPr lang="en-US" dirty="0" smtClean="0"/>
-              <a:t>Software Platforms / Technologies</a:t>
-            </a:r>
-          </a:p>
-          <a:p>
-            <a:pPr lvl="1"/>
-            <a:r>
-              <a:rPr lang="en-US" dirty="0" smtClean="0"/>
-              <a:t>JavaScript and HTML5</a:t>
-            </a:r>
-          </a:p>
-          <a:p>
-            <a:pPr lvl="1"/>
-            <a:r>
-              <a:rPr lang="en-US" dirty="0" smtClean="0"/>
-              <a:t>ASP.net </a:t>
-            </a:r>
-          </a:p>
-          <a:p>
-            <a:pPr lvl="1"/>
-            <a:r>
-              <a:rPr lang="en-US" dirty="0" smtClean="0"/>
-              <a:t>SQL database </a:t>
-            </a:r>
-          </a:p>
-          <a:p>
-            <a:pPr lvl="1">
-              <a:buNone/>
-            </a:pPr>
-            <a:endParaRPr lang="en-US" dirty="0" smtClean="0"/>
+              <a:rPr lang="en-US" sz="4000" dirty="0" smtClean="0"/>
+              <a:t>System Architecture</a:t>
+            </a:r>
           </a:p>
         </p:txBody>
       </p:sp>
@@ -7463,10 +7406,15 @@
             <a:spLocks noGrp="1"/>
           </p:cNvSpPr>
           <p:nvPr>
-            <p:ph type="ftr" sz="quarter" idx="11"/>
-          </p:nvPr>
-        </p:nvSpPr>
-        <p:spPr/>
+            <p:ph type="ftr" sz="quarter" idx="3"/>
+          </p:nvPr>
+        </p:nvSpPr>
+        <p:spPr>
+          <a:xfrm>
+            <a:off x="3352800" y="6492875"/>
+            <a:ext cx="2895600" cy="365125"/>
+          </a:xfrm>
+        </p:spPr>
         <p:txBody>
           <a:bodyPr/>
           <a:lstStyle/>
@@ -7503,10 +7451,36 @@
           </a:p>
         </p:txBody>
       </p:sp>
+      <p:pic>
+        <p:nvPicPr>
+          <p:cNvPr id="1026" name="Picture 2" descr="C:\Users\Kevin\Desktop\CapRepo\infographic-generator\images\01-24-uml-v1\Capstone_-_System_Architecture_Diagram.png"/>
+          <p:cNvPicPr>
+            <a:picLocks noChangeAspect="1" noChangeArrowheads="1"/>
+          </p:cNvPicPr>
+          <p:nvPr/>
+        </p:nvPicPr>
+        <p:blipFill>
+          <a:blip r:embed="rId3" cstate="print"/>
+          <a:srcRect/>
+          <a:stretch>
+            <a:fillRect/>
+          </a:stretch>
+        </p:blipFill>
+        <p:spPr bwMode="auto">
+          <a:xfrm>
+            <a:off x="762000" y="1781175"/>
+            <a:ext cx="7515225" cy="3857625"/>
+          </a:xfrm>
+          <a:prstGeom prst="rect">
+            <a:avLst/>
+          </a:prstGeom>
+          <a:noFill/>
+        </p:spPr>
+      </p:pic>
     </p:spTree>
     <p:extLst>
       <p:ext uri="{BB962C8B-B14F-4D97-AF65-F5344CB8AC3E}">
-        <p14:creationId xmlns="" xmlns:p14="http://schemas.microsoft.com/office/powerpoint/2010/main" val="373079730"/>
+        <p14:creationId xmlns="" xmlns:p14="http://schemas.microsoft.com/office/powerpoint/2010/main" val="1897673321"/>
       </p:ext>
     </p:extLst>
   </p:cSld>
@@ -7542,7 +7516,7 @@
       </p:grpSpPr>
       <p:sp>
         <p:nvSpPr>
-          <p:cNvPr id="13315" name="Rectangle 2"/>
+          <p:cNvPr id="12291" name="Rectangle 2"/>
           <p:cNvSpPr>
             <a:spLocks noGrp="1" noChangeArrowheads="1"/>
           </p:cNvSpPr>
@@ -7557,51 +7531,90 @@
           <a:p>
             <a:r>
               <a:rPr lang="en-US" dirty="0" smtClean="0"/>
-              <a:t>Testing</a:t>
-            </a:r>
-          </a:p>
-        </p:txBody>
-      </p:sp>
-      <p:sp>
-        <p:nvSpPr>
-          <p:cNvPr id="4" name="Content Placeholder 3"/>
-          <p:cNvSpPr>
-            <a:spLocks noGrp="1"/>
-          </p:cNvSpPr>
-          <p:nvPr>
-            <p:ph idx="1"/>
+              <a:t>System Components</a:t>
+            </a:r>
+          </a:p>
+        </p:txBody>
+      </p:sp>
+      <p:sp>
+        <p:nvSpPr>
+          <p:cNvPr id="12292" name="Rectangle 3"/>
+          <p:cNvSpPr>
+            <a:spLocks noGrp="1" noChangeArrowheads="1"/>
+          </p:cNvSpPr>
+          <p:nvPr>
+            <p:ph type="body" idx="1"/>
           </p:nvPr>
         </p:nvSpPr>
         <p:spPr/>
         <p:txBody>
-          <a:bodyPr/>
+          <a:bodyPr>
+            <a:normAutofit/>
+          </a:bodyPr>
           <a:lstStyle/>
           <a:p>
             <a:r>
               <a:rPr lang="en-US" dirty="0" smtClean="0"/>
-              <a:t>Safari for iPad Browser Compatibility</a:t>
-            </a:r>
-          </a:p>
-          <a:p>
-            <a:r>
-              <a:rPr lang="en-US" dirty="0" smtClean="0"/>
-              <a:t>User experience</a:t>
-            </a:r>
-          </a:p>
-          <a:p>
-            <a:r>
-              <a:rPr lang="en-US" dirty="0" smtClean="0"/>
-              <a:t>Web-app performance</a:t>
-            </a:r>
-          </a:p>
-          <a:p>
-            <a:r>
-              <a:rPr lang="en-US" dirty="0" smtClean="0"/>
-              <a:t>Orientation display</a:t>
-            </a:r>
-          </a:p>
-          <a:p>
-            <a:endParaRPr lang="en-US" dirty="0"/>
+              <a:t>Hardware Platforms</a:t>
+            </a:r>
+          </a:p>
+          <a:p>
+            <a:pPr lvl="1"/>
+            <a:r>
+              <a:rPr lang="en-US" dirty="0" smtClean="0"/>
+              <a:t>iPad </a:t>
+            </a:r>
+          </a:p>
+          <a:p>
+            <a:pPr lvl="1"/>
+            <a:r>
+              <a:rPr lang="en-US" dirty="0" smtClean="0"/>
+              <a:t>Personal Computer</a:t>
+            </a:r>
+          </a:p>
+          <a:p>
+            <a:pPr lvl="1"/>
+            <a:r>
+              <a:rPr lang="en-US" dirty="0" smtClean="0"/>
+              <a:t>Web Server - IIS7</a:t>
+            </a:r>
+          </a:p>
+          <a:p>
+            <a:r>
+              <a:rPr lang="en-US" dirty="0" smtClean="0"/>
+              <a:t>Software Platforms / Technologies</a:t>
+            </a:r>
+          </a:p>
+          <a:p>
+            <a:pPr lvl="1"/>
+            <a:r>
+              <a:rPr lang="en-US" dirty="0" smtClean="0"/>
+              <a:t>JavaScript and HTML5</a:t>
+            </a:r>
+          </a:p>
+          <a:p>
+            <a:pPr lvl="1"/>
+            <a:r>
+              <a:rPr lang="en-US" dirty="0" err="1" smtClean="0"/>
+              <a:t>ASP.Net</a:t>
+            </a:r>
+            <a:r>
+              <a:rPr lang="en-US" dirty="0" smtClean="0"/>
+              <a:t> </a:t>
+            </a:r>
+          </a:p>
+          <a:p>
+            <a:pPr lvl="1"/>
+            <a:r>
+              <a:rPr lang="en-US" dirty="0" smtClean="0"/>
+              <a:t>SQL database </a:t>
+            </a:r>
+          </a:p>
+          <a:p>
+            <a:pPr lvl="1">
+              <a:buNone/>
+            </a:pPr>
+            <a:endParaRPr lang="en-US" dirty="0" smtClean="0"/>
           </a:p>
         </p:txBody>
       </p:sp>
@@ -7678,7 +7691,7 @@
     </p:spTree>
     <p:extLst>
       <p:ext uri="{BB962C8B-B14F-4D97-AF65-F5344CB8AC3E}">
-        <p14:creationId xmlns="" xmlns:p14="http://schemas.microsoft.com/office/powerpoint/2010/main" val="235442035"/>
+        <p14:creationId xmlns="" xmlns:p14="http://schemas.microsoft.com/office/powerpoint/2010/main" val="373079730"/>
       </p:ext>
     </p:extLst>
   </p:cSld>
@@ -7714,7 +7727,7 @@
       </p:grpSpPr>
       <p:sp>
         <p:nvSpPr>
-          <p:cNvPr id="14339" name="Rectangle 2"/>
+          <p:cNvPr id="13315" name="Rectangle 2"/>
           <p:cNvSpPr>
             <a:spLocks noGrp="1" noChangeArrowheads="1"/>
           </p:cNvSpPr>
@@ -7729,19 +7742,19 @@
           <a:p>
             <a:r>
               <a:rPr lang="en-US" dirty="0" smtClean="0"/>
-              <a:t>Risks</a:t>
-            </a:r>
-          </a:p>
-        </p:txBody>
-      </p:sp>
-      <p:sp>
-        <p:nvSpPr>
-          <p:cNvPr id="14340" name="Rectangle 5"/>
-          <p:cNvSpPr>
-            <a:spLocks noGrp="1" noChangeArrowheads="1"/>
-          </p:cNvSpPr>
-          <p:nvPr>
-            <p:ph type="body" idx="1"/>
+              <a:t>Testing</a:t>
+            </a:r>
+          </a:p>
+        </p:txBody>
+      </p:sp>
+      <p:sp>
+        <p:nvSpPr>
+          <p:cNvPr id="4" name="Content Placeholder 3"/>
+          <p:cNvSpPr>
+            <a:spLocks noGrp="1"/>
+          </p:cNvSpPr>
+          <p:nvPr>
+            <p:ph idx="1"/>
           </p:nvPr>
         </p:nvSpPr>
         <p:spPr/>
@@ -7751,26 +7764,29 @@
           <a:p>
             <a:r>
               <a:rPr lang="en-US" dirty="0" smtClean="0"/>
-              <a:t>Languages</a:t>
-            </a:r>
-          </a:p>
-          <a:p>
-            <a:r>
-              <a:rPr lang="en-US" dirty="0" smtClean="0"/>
-              <a:t>Ambiguous Requirements</a:t>
-            </a:r>
-          </a:p>
-          <a:p>
-            <a:r>
-              <a:rPr lang="en-US" dirty="0" smtClean="0"/>
-              <a:t>Scheduling</a:t>
-            </a:r>
-          </a:p>
-          <a:p>
-            <a:r>
-              <a:rPr lang="en-US" dirty="0" smtClean="0"/>
-              <a:t>Artistic Ability</a:t>
-            </a:r>
+              <a:t>Safari for iPad Browser Compatibility</a:t>
+            </a:r>
+          </a:p>
+          <a:p>
+            <a:r>
+              <a:rPr lang="en-US" dirty="0" smtClean="0"/>
+              <a:t>User experience</a:t>
+            </a:r>
+          </a:p>
+          <a:p>
+            <a:r>
+              <a:rPr lang="en-US" dirty="0" smtClean="0"/>
+              <a:t>Web-app performance</a:t>
+            </a:r>
+          </a:p>
+          <a:p>
+            <a:r>
+              <a:rPr lang="en-US" dirty="0" smtClean="0"/>
+              <a:t>Orientation display</a:t>
+            </a:r>
+          </a:p>
+          <a:p>
+            <a:endParaRPr lang="en-US" dirty="0"/>
           </a:p>
         </p:txBody>
       </p:sp>
@@ -7839,6 +7855,175 @@
               <a:rPr lang="en-US" smtClean="0"/>
               <a:pPr/>
               <a:t>13</a:t>
+            </a:fld>
+            <a:endParaRPr lang="en-US" dirty="0"/>
+          </a:p>
+        </p:txBody>
+      </p:sp>
+    </p:spTree>
+    <p:extLst>
+      <p:ext uri="{BB962C8B-B14F-4D97-AF65-F5344CB8AC3E}">
+        <p14:creationId xmlns="" xmlns:p14="http://schemas.microsoft.com/office/powerpoint/2010/main" val="235442035"/>
+      </p:ext>
+    </p:extLst>
+  </p:cSld>
+  <p:clrMapOvr>
+    <a:masterClrMapping/>
+  </p:clrMapOvr>
+  <p:timing>
+    <p:tnLst>
+      <p:par>
+        <p:cTn id="1" dur="indefinite" restart="never" nodeType="tmRoot"/>
+      </p:par>
+    </p:tnLst>
+  </p:timing>
+</p:sld>
+</file>
+
+<file path=ppt/slides/slide14.xml><?xml version="1.0" encoding="utf-8"?>
+<p:sld xmlns:a="http://schemas.openxmlformats.org/drawingml/2006/main" xmlns:r="http://schemas.openxmlformats.org/officeDocument/2006/relationships" xmlns:p="http://schemas.openxmlformats.org/presentationml/2006/main">
+  <p:cSld>
+    <p:spTree>
+      <p:nvGrpSpPr>
+        <p:cNvPr id="1" name=""/>
+        <p:cNvGrpSpPr/>
+        <p:nvPr/>
+      </p:nvGrpSpPr>
+      <p:grpSpPr>
+        <a:xfrm>
+          <a:off x="0" y="0"/>
+          <a:ext cx="0" cy="0"/>
+          <a:chOff x="0" y="0"/>
+          <a:chExt cx="0" cy="0"/>
+        </a:xfrm>
+      </p:grpSpPr>
+      <p:sp>
+        <p:nvSpPr>
+          <p:cNvPr id="14339" name="Rectangle 2"/>
+          <p:cNvSpPr>
+            <a:spLocks noGrp="1" noChangeArrowheads="1"/>
+          </p:cNvSpPr>
+          <p:nvPr>
+            <p:ph type="title"/>
+          </p:nvPr>
+        </p:nvSpPr>
+        <p:spPr/>
+        <p:txBody>
+          <a:bodyPr/>
+          <a:lstStyle/>
+          <a:p>
+            <a:r>
+              <a:rPr lang="en-US" dirty="0" smtClean="0"/>
+              <a:t>Risks</a:t>
+            </a:r>
+          </a:p>
+        </p:txBody>
+      </p:sp>
+      <p:sp>
+        <p:nvSpPr>
+          <p:cNvPr id="14340" name="Rectangle 5"/>
+          <p:cNvSpPr>
+            <a:spLocks noGrp="1" noChangeArrowheads="1"/>
+          </p:cNvSpPr>
+          <p:nvPr>
+            <p:ph type="body" idx="1"/>
+          </p:nvPr>
+        </p:nvSpPr>
+        <p:spPr/>
+        <p:txBody>
+          <a:bodyPr/>
+          <a:lstStyle/>
+          <a:p>
+            <a:r>
+              <a:rPr lang="en-US" dirty="0" smtClean="0"/>
+              <a:t>Languages</a:t>
+            </a:r>
+          </a:p>
+          <a:p>
+            <a:r>
+              <a:rPr lang="en-US" dirty="0" smtClean="0"/>
+              <a:t>Ambiguous Requirements</a:t>
+            </a:r>
+          </a:p>
+          <a:p>
+            <a:r>
+              <a:rPr lang="en-US" dirty="0" smtClean="0"/>
+              <a:t>Scheduling</a:t>
+            </a:r>
+          </a:p>
+          <a:p>
+            <a:r>
+              <a:rPr lang="en-US" dirty="0" smtClean="0"/>
+              <a:t>Artistic Ability</a:t>
+            </a:r>
+          </a:p>
+        </p:txBody>
+      </p:sp>
+      <p:sp>
+        <p:nvSpPr>
+          <p:cNvPr id="5" name="Date Placeholder 4"/>
+          <p:cNvSpPr>
+            <a:spLocks noGrp="1"/>
+          </p:cNvSpPr>
+          <p:nvPr>
+            <p:ph type="dt" sz="half" idx="10"/>
+          </p:nvPr>
+        </p:nvSpPr>
+        <p:spPr/>
+        <p:txBody>
+          <a:bodyPr/>
+          <a:lstStyle/>
+          <a:p>
+            <a:r>
+              <a:rPr lang="en-US" dirty="0" smtClean="0"/>
+              <a:t>The Capstone Experience</a:t>
+            </a:r>
+            <a:endParaRPr lang="en-US" dirty="0"/>
+          </a:p>
+        </p:txBody>
+      </p:sp>
+      <p:sp>
+        <p:nvSpPr>
+          <p:cNvPr id="6" name="Footer Placeholder 5"/>
+          <p:cNvSpPr>
+            <a:spLocks noGrp="1"/>
+          </p:cNvSpPr>
+          <p:nvPr>
+            <p:ph type="ftr" sz="quarter" idx="11"/>
+          </p:nvPr>
+        </p:nvSpPr>
+        <p:spPr/>
+        <p:txBody>
+          <a:bodyPr/>
+          <a:lstStyle/>
+          <a:p>
+            <a:r>
+              <a:rPr lang="en-US" dirty="0" smtClean="0"/>
+              <a:t>Team Urban Science Project Plan</a:t>
+            </a:r>
+            <a:endParaRPr lang="en-US" dirty="0"/>
+          </a:p>
+        </p:txBody>
+      </p:sp>
+      <p:sp>
+        <p:nvSpPr>
+          <p:cNvPr id="7" name="Slide Number Placeholder 6"/>
+          <p:cNvSpPr>
+            <a:spLocks noGrp="1"/>
+          </p:cNvSpPr>
+          <p:nvPr>
+            <p:ph type="sldNum" sz="quarter" idx="12"/>
+          </p:nvPr>
+        </p:nvSpPr>
+        <p:spPr/>
+        <p:txBody>
+          <a:bodyPr/>
+          <a:lstStyle/>
+          <a:p>
+            <a:fld id="{B6F15528-21DE-4FAA-801E-634DDDAF4B2B}" type="slidenum">
+              <a:rPr lang="en-US" smtClean="0"/>
+              <a:pPr/>
+              <a:t>14</a:t>
             </a:fld>
             <a:endParaRPr lang="en-US" dirty="0"/>
           </a:p>
@@ -8103,6 +8288,18 @@
           <a:p>
             <a:r>
               <a:rPr lang="en-US" dirty="0" smtClean="0"/>
+              <a:t>Spreadsheet data</a:t>
+            </a:r>
+          </a:p>
+          <a:p>
+            <a:r>
+              <a:rPr lang="en-US" dirty="0" smtClean="0"/>
+              <a:t>Creative presentation with animations</a:t>
+            </a:r>
+          </a:p>
+          <a:p>
+            <a:r>
+              <a:rPr lang="en-US" dirty="0" smtClean="0"/>
               <a:t>Intuitive display of relevant data</a:t>
             </a:r>
           </a:p>
@@ -8113,16 +8310,16 @@
             </a:r>
           </a:p>
           <a:p>
-            <a:r>
-              <a:rPr lang="en-US" dirty="0" smtClean="0"/>
-              <a:t>Creative presentation with animations</a:t>
-            </a:r>
-          </a:p>
-          <a:p>
-            <a:r>
-              <a:rPr lang="en-US" dirty="0" smtClean="0"/>
-              <a:t>Accessible via Safari on iPad</a:t>
-            </a:r>
+            <a:endParaRPr lang="en-US" dirty="0" smtClean="0"/>
+          </a:p>
+          <a:p>
+            <a:endParaRPr lang="en-US" dirty="0" smtClean="0"/>
+          </a:p>
+          <a:p>
+            <a:pPr>
+              <a:buNone/>
+            </a:pPr>
+            <a:endParaRPr lang="en-US" dirty="0" smtClean="0"/>
           </a:p>
           <a:p>
             <a:endParaRPr lang="en-US" dirty="0" smtClean="0"/>
@@ -8292,8 +8489,17 @@
           <a:p>
             <a:r>
               <a:rPr lang="en-US" dirty="0" smtClean="0"/>
-              <a:t>Display monthly data </a:t>
-            </a:r>
+              <a:t>Each infographic displays monthly data</a:t>
+            </a:r>
+          </a:p>
+          <a:p>
+            <a:r>
+              <a:rPr lang="en-US" dirty="0" smtClean="0"/>
+              <a:t>An Infographic contains many infographic elements</a:t>
+            </a:r>
+          </a:p>
+          <a:p>
+            <a:endParaRPr lang="en-US" dirty="0" smtClean="0"/>
           </a:p>
           <a:p>
             <a:endParaRPr lang="en-US" dirty="0" smtClean="0"/>
@@ -8443,7 +8649,7 @@
           <a:p>
             <a:r>
               <a:rPr lang="en-US" sz="4000" dirty="0" smtClean="0"/>
-              <a:t>Screen Mockup: Lazy Susan Menu</a:t>
+              <a:t>Use Case Diagram</a:t>
             </a:r>
           </a:p>
         </p:txBody>
@@ -8518,6 +8724,168 @@
               <a:rPr lang="en-US" smtClean="0"/>
               <a:pPr/>
               <a:t>5</a:t>
+            </a:fld>
+            <a:endParaRPr lang="en-US" dirty="0"/>
+          </a:p>
+        </p:txBody>
+      </p:sp>
+      <p:pic>
+        <p:nvPicPr>
+          <p:cNvPr id="2052" name="Picture 4" descr="C:\Users\Kevin\Desktop\CapRepo\infographic-generator\images\01-24-uml-v1\Capstone_-_Use_Case_Diagram.png"/>
+          <p:cNvPicPr>
+            <a:picLocks noChangeAspect="1" noChangeArrowheads="1"/>
+          </p:cNvPicPr>
+          <p:nvPr/>
+        </p:nvPicPr>
+        <p:blipFill>
+          <a:blip r:embed="rId2" cstate="print"/>
+          <a:srcRect/>
+          <a:stretch>
+            <a:fillRect/>
+          </a:stretch>
+        </p:blipFill>
+        <p:spPr bwMode="auto">
+          <a:xfrm>
+            <a:off x="1629569" y="1687438"/>
+            <a:ext cx="5884862" cy="4789562"/>
+          </a:xfrm>
+          <a:prstGeom prst="rect">
+            <a:avLst/>
+          </a:prstGeom>
+          <a:noFill/>
+        </p:spPr>
+      </p:pic>
+    </p:spTree>
+    <p:extLst>
+      <p:ext uri="{BB962C8B-B14F-4D97-AF65-F5344CB8AC3E}">
+        <p14:creationId xmlns="" xmlns:p14="http://schemas.microsoft.com/office/powerpoint/2010/main" val="2170388702"/>
+      </p:ext>
+    </p:extLst>
+  </p:cSld>
+  <p:clrMapOvr>
+    <a:masterClrMapping/>
+  </p:clrMapOvr>
+  <p:timing>
+    <p:tnLst>
+      <p:par>
+        <p:cTn id="1" dur="indefinite" restart="never" nodeType="tmRoot"/>
+      </p:par>
+    </p:tnLst>
+  </p:timing>
+</p:sld>
+</file>
+
+<file path=ppt/slides/slide6.xml><?xml version="1.0" encoding="utf-8"?>
+<p:sld xmlns:a="http://schemas.openxmlformats.org/drawingml/2006/main" xmlns:r="http://schemas.openxmlformats.org/officeDocument/2006/relationships" xmlns:p="http://schemas.openxmlformats.org/presentationml/2006/main">
+  <p:cSld>
+    <p:spTree>
+      <p:nvGrpSpPr>
+        <p:cNvPr id="1" name=""/>
+        <p:cNvGrpSpPr/>
+        <p:nvPr/>
+      </p:nvGrpSpPr>
+      <p:grpSpPr>
+        <a:xfrm>
+          <a:off x="0" y="0"/>
+          <a:ext cx="0" cy="0"/>
+          <a:chOff x="0" y="0"/>
+          <a:chExt cx="0" cy="0"/>
+        </a:xfrm>
+      </p:grpSpPr>
+      <p:sp>
+        <p:nvSpPr>
+          <p:cNvPr id="9218" name="Title 1"/>
+          <p:cNvSpPr>
+            <a:spLocks noGrp="1"/>
+          </p:cNvSpPr>
+          <p:nvPr>
+            <p:ph type="title"/>
+          </p:nvPr>
+        </p:nvSpPr>
+        <p:spPr/>
+        <p:txBody>
+          <a:bodyPr>
+            <a:normAutofit/>
+          </a:bodyPr>
+          <a:lstStyle/>
+          <a:p>
+            <a:r>
+              <a:rPr lang="en-US" sz="4000" dirty="0" smtClean="0"/>
+              <a:t>Screen Mockup: Lazy Susan Menu</a:t>
+            </a:r>
+          </a:p>
+        </p:txBody>
+      </p:sp>
+      <p:sp>
+        <p:nvSpPr>
+          <p:cNvPr id="4" name="Date Placeholder 3"/>
+          <p:cNvSpPr>
+            <a:spLocks noGrp="1"/>
+          </p:cNvSpPr>
+          <p:nvPr>
+            <p:ph type="dt" sz="half" idx="10"/>
+          </p:nvPr>
+        </p:nvSpPr>
+        <p:spPr/>
+        <p:txBody>
+          <a:bodyPr/>
+          <a:lstStyle/>
+          <a:p>
+            <a:r>
+              <a:rPr lang="en-US" dirty="0" smtClean="0"/>
+              <a:t>The Capstone Experience</a:t>
+            </a:r>
+            <a:endParaRPr lang="en-US" dirty="0"/>
+          </a:p>
+        </p:txBody>
+      </p:sp>
+      <p:sp>
+        <p:nvSpPr>
+          <p:cNvPr id="5" name="Footer Placeholder 4"/>
+          <p:cNvSpPr>
+            <a:spLocks noGrp="1"/>
+          </p:cNvSpPr>
+          <p:nvPr>
+            <p:ph type="ftr" sz="quarter" idx="3"/>
+          </p:nvPr>
+        </p:nvSpPr>
+        <p:spPr>
+          <a:xfrm>
+            <a:off x="3352800" y="6492875"/>
+            <a:ext cx="2895600" cy="365125"/>
+          </a:xfrm>
+        </p:spPr>
+        <p:txBody>
+          <a:bodyPr/>
+          <a:lstStyle/>
+          <a:p>
+            <a:r>
+              <a:rPr lang="en-US" dirty="0" smtClean="0"/>
+              <a:t>Team Urban Science Project Plan</a:t>
+            </a:r>
+            <a:endParaRPr lang="en-US" dirty="0"/>
+          </a:p>
+        </p:txBody>
+      </p:sp>
+      <p:sp>
+        <p:nvSpPr>
+          <p:cNvPr id="6" name="Slide Number Placeholder 5"/>
+          <p:cNvSpPr>
+            <a:spLocks noGrp="1"/>
+          </p:cNvSpPr>
+          <p:nvPr>
+            <p:ph type="sldNum" sz="quarter" idx="12"/>
+          </p:nvPr>
+        </p:nvSpPr>
+        <p:spPr/>
+        <p:txBody>
+          <a:bodyPr/>
+          <a:lstStyle/>
+          <a:p>
+            <a:fld id="{B6F15528-21DE-4FAA-801E-634DDDAF4B2B}" type="slidenum">
+              <a:rPr lang="en-US" smtClean="0"/>
+              <a:pPr/>
+              <a:t>6</a:t>
             </a:fld>
             <a:endParaRPr lang="en-US" dirty="0"/>
           </a:p>
@@ -8576,168 +8944,6 @@
 </p:sld>
 </file>
 
-<file path=ppt/slides/slide6.xml><?xml version="1.0" encoding="utf-8"?>
-<p:sld xmlns:a="http://schemas.openxmlformats.org/drawingml/2006/main" xmlns:r="http://schemas.openxmlformats.org/officeDocument/2006/relationships" xmlns:p="http://schemas.openxmlformats.org/presentationml/2006/main">
-  <p:cSld>
-    <p:spTree>
-      <p:nvGrpSpPr>
-        <p:cNvPr id="1" name=""/>
-        <p:cNvGrpSpPr/>
-        <p:nvPr/>
-      </p:nvGrpSpPr>
-      <p:grpSpPr>
-        <a:xfrm>
-          <a:off x="0" y="0"/>
-          <a:ext cx="0" cy="0"/>
-          <a:chOff x="0" y="0"/>
-          <a:chExt cx="0" cy="0"/>
-        </a:xfrm>
-      </p:grpSpPr>
-      <p:sp>
-        <p:nvSpPr>
-          <p:cNvPr id="9218" name="Title 1"/>
-          <p:cNvSpPr>
-            <a:spLocks noGrp="1"/>
-          </p:cNvSpPr>
-          <p:nvPr>
-            <p:ph type="title"/>
-          </p:nvPr>
-        </p:nvSpPr>
-        <p:spPr/>
-        <p:txBody>
-          <a:bodyPr>
-            <a:normAutofit/>
-          </a:bodyPr>
-          <a:lstStyle/>
-          <a:p>
-            <a:r>
-              <a:rPr lang="en-US" sz="4000" dirty="0" smtClean="0"/>
-              <a:t>Screen Mockup: Infographic Screen</a:t>
-            </a:r>
-          </a:p>
-        </p:txBody>
-      </p:sp>
-      <p:sp>
-        <p:nvSpPr>
-          <p:cNvPr id="4" name="Date Placeholder 3"/>
-          <p:cNvSpPr>
-            <a:spLocks noGrp="1"/>
-          </p:cNvSpPr>
-          <p:nvPr>
-            <p:ph type="dt" sz="half" idx="10"/>
-          </p:nvPr>
-        </p:nvSpPr>
-        <p:spPr/>
-        <p:txBody>
-          <a:bodyPr/>
-          <a:lstStyle/>
-          <a:p>
-            <a:r>
-              <a:rPr lang="en-US" dirty="0" smtClean="0"/>
-              <a:t>The Capstone Experience</a:t>
-            </a:r>
-            <a:endParaRPr lang="en-US" dirty="0"/>
-          </a:p>
-        </p:txBody>
-      </p:sp>
-      <p:sp>
-        <p:nvSpPr>
-          <p:cNvPr id="5" name="Footer Placeholder 4"/>
-          <p:cNvSpPr>
-            <a:spLocks noGrp="1"/>
-          </p:cNvSpPr>
-          <p:nvPr>
-            <p:ph type="ftr" sz="quarter" idx="3"/>
-          </p:nvPr>
-        </p:nvSpPr>
-        <p:spPr>
-          <a:xfrm>
-            <a:off x="3352800" y="6492875"/>
-            <a:ext cx="2895600" cy="365125"/>
-          </a:xfrm>
-        </p:spPr>
-        <p:txBody>
-          <a:bodyPr/>
-          <a:lstStyle/>
-          <a:p>
-            <a:r>
-              <a:rPr lang="en-US" dirty="0" smtClean="0"/>
-              <a:t>Team Urban Science Project Plan</a:t>
-            </a:r>
-            <a:endParaRPr lang="en-US" dirty="0"/>
-          </a:p>
-        </p:txBody>
-      </p:sp>
-      <p:sp>
-        <p:nvSpPr>
-          <p:cNvPr id="6" name="Slide Number Placeholder 5"/>
-          <p:cNvSpPr>
-            <a:spLocks noGrp="1"/>
-          </p:cNvSpPr>
-          <p:nvPr>
-            <p:ph type="sldNum" sz="quarter" idx="12"/>
-          </p:nvPr>
-        </p:nvSpPr>
-        <p:spPr/>
-        <p:txBody>
-          <a:bodyPr/>
-          <a:lstStyle/>
-          <a:p>
-            <a:fld id="{B6F15528-21DE-4FAA-801E-634DDDAF4B2B}" type="slidenum">
-              <a:rPr lang="en-US" smtClean="0"/>
-              <a:pPr/>
-              <a:t>6</a:t>
-            </a:fld>
-            <a:endParaRPr lang="en-US" dirty="0"/>
-          </a:p>
-        </p:txBody>
-      </p:sp>
-      <p:pic>
-        <p:nvPicPr>
-          <p:cNvPr id="1026" name="Picture 2" descr="C:\Users\Kevin\Desktop\Capstone\screen5.jpg"/>
-          <p:cNvPicPr>
-            <a:picLocks noChangeAspect="1" noChangeArrowheads="1"/>
-          </p:cNvPicPr>
-          <p:nvPr/>
-        </p:nvPicPr>
-        <p:blipFill>
-          <a:blip r:embed="rId2" cstate="print"/>
-          <a:srcRect/>
-          <a:stretch>
-            <a:fillRect/>
-          </a:stretch>
-        </p:blipFill>
-        <p:spPr bwMode="auto">
-          <a:xfrm>
-            <a:off x="1417320" y="1616588"/>
-            <a:ext cx="6309360" cy="4936612"/>
-          </a:xfrm>
-          <a:prstGeom prst="rect">
-            <a:avLst/>
-          </a:prstGeom>
-          <a:noFill/>
-        </p:spPr>
-      </p:pic>
-    </p:spTree>
-    <p:extLst>
-      <p:ext uri="{BB962C8B-B14F-4D97-AF65-F5344CB8AC3E}">
-        <p14:creationId xmlns="" xmlns:p14="http://schemas.microsoft.com/office/powerpoint/2010/main" val="2170388702"/>
-      </p:ext>
-    </p:extLst>
-  </p:cSld>
-  <p:clrMapOvr>
-    <a:masterClrMapping/>
-  </p:clrMapOvr>
-  <p:timing>
-    <p:tnLst>
-      <p:par>
-        <p:cTn id="1" dur="indefinite" restart="never" nodeType="tmRoot"/>
-      </p:par>
-    </p:tnLst>
-  </p:timing>
-</p:sld>
-</file>
-
 <file path=ppt/slides/slide7.xml><?xml version="1.0" encoding="utf-8"?>
 <p:sld xmlns:a="http://schemas.openxmlformats.org/drawingml/2006/main" xmlns:r="http://schemas.openxmlformats.org/officeDocument/2006/relationships" xmlns:p="http://schemas.openxmlformats.org/presentationml/2006/main">
   <p:cSld>
@@ -8774,8 +8980,13 @@
           <a:p>
             <a:r>
               <a:rPr lang="en-US" sz="4000" dirty="0" smtClean="0"/>
-              <a:t>Screen Mockup: Infographic Screen</a:t>
-            </a:r>
+              <a:t>Screen Mockup: </a:t>
+            </a:r>
+            <a:r>
+              <a:rPr lang="en-US" sz="4000" dirty="0" smtClean="0"/>
+              <a:t>Infographic Screen</a:t>
+            </a:r>
+            <a:endParaRPr lang="en-US" sz="4000" dirty="0" smtClean="0"/>
           </a:p>
         </p:txBody>
       </p:sp>
@@ -8849,6 +9060,174 @@
               <a:rPr lang="en-US" smtClean="0"/>
               <a:pPr/>
               <a:t>7</a:t>
+            </a:fld>
+            <a:endParaRPr lang="en-US" dirty="0"/>
+          </a:p>
+        </p:txBody>
+      </p:sp>
+      <p:pic>
+        <p:nvPicPr>
+          <p:cNvPr id="11265" name="Picture 1"/>
+          <p:cNvPicPr>
+            <a:picLocks noChangeAspect="1" noChangeArrowheads="1"/>
+          </p:cNvPicPr>
+          <p:nvPr/>
+        </p:nvPicPr>
+        <p:blipFill>
+          <a:blip r:embed="rId2" cstate="print"/>
+          <a:stretch>
+            <a:fillRect/>
+          </a:stretch>
+        </p:blipFill>
+        <p:spPr bwMode="auto">
+          <a:xfrm>
+            <a:off x="1417320" y="1616587"/>
+            <a:ext cx="6309360" cy="4936612"/>
+          </a:xfrm>
+          <a:prstGeom prst="rect">
+            <a:avLst/>
+          </a:prstGeom>
+          <a:noFill/>
+          <a:ln w="9525">
+            <a:noFill/>
+            <a:miter lim="800000"/>
+            <a:headEnd/>
+            <a:tailEnd/>
+          </a:ln>
+          <a:effectLst/>
+        </p:spPr>
+      </p:pic>
+    </p:spTree>
+    <p:extLst>
+      <p:ext uri="{BB962C8B-B14F-4D97-AF65-F5344CB8AC3E}">
+        <p14:creationId xmlns="" xmlns:p14="http://schemas.microsoft.com/office/powerpoint/2010/main" val="2309204780"/>
+      </p:ext>
+    </p:extLst>
+  </p:cSld>
+  <p:clrMapOvr>
+    <a:masterClrMapping/>
+  </p:clrMapOvr>
+  <p:timing>
+    <p:tnLst>
+      <p:par>
+        <p:cTn id="1" dur="indefinite" restart="never" nodeType="tmRoot"/>
+      </p:par>
+    </p:tnLst>
+  </p:timing>
+</p:sld>
+</file>
+
+<file path=ppt/slides/slide8.xml><?xml version="1.0" encoding="utf-8"?>
+<p:sld xmlns:a="http://schemas.openxmlformats.org/drawingml/2006/main" xmlns:r="http://schemas.openxmlformats.org/officeDocument/2006/relationships" xmlns:p="http://schemas.openxmlformats.org/presentationml/2006/main">
+  <p:cSld>
+    <p:spTree>
+      <p:nvGrpSpPr>
+        <p:cNvPr id="1" name=""/>
+        <p:cNvGrpSpPr/>
+        <p:nvPr/>
+      </p:nvGrpSpPr>
+      <p:grpSpPr>
+        <a:xfrm>
+          <a:off x="0" y="0"/>
+          <a:ext cx="0" cy="0"/>
+          <a:chOff x="0" y="0"/>
+          <a:chExt cx="0" cy="0"/>
+        </a:xfrm>
+      </p:grpSpPr>
+      <p:sp>
+        <p:nvSpPr>
+          <p:cNvPr id="9218" name="Title 1"/>
+          <p:cNvSpPr>
+            <a:spLocks noGrp="1"/>
+          </p:cNvSpPr>
+          <p:nvPr>
+            <p:ph type="title"/>
+          </p:nvPr>
+        </p:nvSpPr>
+        <p:spPr/>
+        <p:txBody>
+          <a:bodyPr>
+            <a:normAutofit/>
+          </a:bodyPr>
+          <a:lstStyle/>
+          <a:p>
+            <a:r>
+              <a:rPr lang="en-US" sz="4000" dirty="0" smtClean="0"/>
+              <a:t>Screen Mockup: Infographic Screen</a:t>
+            </a:r>
+          </a:p>
+        </p:txBody>
+      </p:sp>
+      <p:sp>
+        <p:nvSpPr>
+          <p:cNvPr id="4" name="Date Placeholder 3"/>
+          <p:cNvSpPr>
+            <a:spLocks noGrp="1"/>
+          </p:cNvSpPr>
+          <p:nvPr>
+            <p:ph type="dt" sz="half" idx="10"/>
+          </p:nvPr>
+        </p:nvSpPr>
+        <p:spPr/>
+        <p:txBody>
+          <a:bodyPr/>
+          <a:lstStyle/>
+          <a:p>
+            <a:r>
+              <a:rPr lang="en-US" dirty="0" smtClean="0"/>
+              <a:t>The Capstone Experience</a:t>
+            </a:r>
+            <a:endParaRPr lang="en-US" dirty="0"/>
+          </a:p>
+        </p:txBody>
+      </p:sp>
+      <p:sp>
+        <p:nvSpPr>
+          <p:cNvPr id="5" name="Footer Placeholder 4"/>
+          <p:cNvSpPr>
+            <a:spLocks noGrp="1"/>
+          </p:cNvSpPr>
+          <p:nvPr>
+            <p:ph type="ftr" sz="quarter" idx="3"/>
+          </p:nvPr>
+        </p:nvSpPr>
+        <p:spPr>
+          <a:xfrm>
+            <a:off x="3352800" y="6492875"/>
+            <a:ext cx="2895600" cy="365125"/>
+          </a:xfrm>
+        </p:spPr>
+        <p:txBody>
+          <a:bodyPr/>
+          <a:lstStyle/>
+          <a:p>
+            <a:r>
+              <a:rPr lang="en-US" dirty="0" smtClean="0"/>
+              <a:t>Team Urban Science Project Plan</a:t>
+            </a:r>
+            <a:endParaRPr lang="en-US" dirty="0"/>
+          </a:p>
+        </p:txBody>
+      </p:sp>
+      <p:sp>
+        <p:nvSpPr>
+          <p:cNvPr id="6" name="Slide Number Placeholder 5"/>
+          <p:cNvSpPr>
+            <a:spLocks noGrp="1"/>
+          </p:cNvSpPr>
+          <p:nvPr>
+            <p:ph type="sldNum" sz="quarter" idx="12"/>
+          </p:nvPr>
+        </p:nvSpPr>
+        <p:spPr/>
+        <p:txBody>
+          <a:bodyPr/>
+          <a:lstStyle/>
+          <a:p>
+            <a:fld id="{B6F15528-21DE-4FAA-801E-634DDDAF4B2B}" type="slidenum">
+              <a:rPr lang="en-US" smtClean="0"/>
+              <a:pPr/>
+              <a:t>8</a:t>
             </a:fld>
             <a:endParaRPr lang="en-US" dirty="0"/>
           </a:p>
@@ -8900,7 +9279,7 @@
 </p:sld>
 </file>
 
-<file path=ppt/slides/slide8.xml><?xml version="1.0" encoding="utf-8"?>
+<file path=ppt/slides/slide9.xml><?xml version="1.0" encoding="utf-8"?>
 <p:sld xmlns:a="http://schemas.openxmlformats.org/drawingml/2006/main" xmlns:r="http://schemas.openxmlformats.org/officeDocument/2006/relationships" xmlns:p="http://schemas.openxmlformats.org/presentationml/2006/main">
   <p:cSld>
     <p:spTree>
@@ -9010,7 +9389,7 @@
             <a:fld id="{B6F15528-21DE-4FAA-801E-634DDDAF4B2B}" type="slidenum">
               <a:rPr lang="en-US" smtClean="0"/>
               <a:pPr/>
-              <a:t>8</a:t>
+              <a:t>9</a:t>
             </a:fld>
             <a:endParaRPr lang="en-US" dirty="0"/>
           </a:p>
@@ -9046,186 +9425,6 @@
     <p:extLst>
       <p:ext uri="{BB962C8B-B14F-4D97-AF65-F5344CB8AC3E}">
         <p14:creationId xmlns="" xmlns:p14="http://schemas.microsoft.com/office/powerpoint/2010/main" val="2170388702"/>
-      </p:ext>
-    </p:extLst>
-  </p:cSld>
-  <p:clrMapOvr>
-    <a:masterClrMapping/>
-  </p:clrMapOvr>
-  <p:timing>
-    <p:tnLst>
-      <p:par>
-        <p:cTn id="1" dur="indefinite" restart="never" nodeType="tmRoot"/>
-      </p:par>
-    </p:tnLst>
-  </p:timing>
-</p:sld>
-</file>
-
-<file path=ppt/slides/slide9.xml><?xml version="1.0" encoding="utf-8"?>
-<p:sld xmlns:a="http://schemas.openxmlformats.org/drawingml/2006/main" xmlns:r="http://schemas.openxmlformats.org/officeDocument/2006/relationships" xmlns:p="http://schemas.openxmlformats.org/presentationml/2006/main">
-  <p:cSld>
-    <p:spTree>
-      <p:nvGrpSpPr>
-        <p:cNvPr id="1" name=""/>
-        <p:cNvGrpSpPr/>
-        <p:nvPr/>
-      </p:nvGrpSpPr>
-      <p:grpSpPr>
-        <a:xfrm>
-          <a:off x="0" y="0"/>
-          <a:ext cx="0" cy="0"/>
-          <a:chOff x="0" y="0"/>
-          <a:chExt cx="0" cy="0"/>
-        </a:xfrm>
-      </p:grpSpPr>
-      <p:sp>
-        <p:nvSpPr>
-          <p:cNvPr id="10242" name="Title 1"/>
-          <p:cNvSpPr>
-            <a:spLocks noGrp="1"/>
-          </p:cNvSpPr>
-          <p:nvPr>
-            <p:ph type="title"/>
-          </p:nvPr>
-        </p:nvSpPr>
-        <p:spPr/>
-        <p:txBody>
-          <a:bodyPr/>
-          <a:lstStyle/>
-          <a:p>
-            <a:r>
-              <a:rPr lang="en-US" dirty="0" smtClean="0"/>
-              <a:t>Technical Specifications</a:t>
-            </a:r>
-          </a:p>
-        </p:txBody>
-      </p:sp>
-      <p:sp>
-        <p:nvSpPr>
-          <p:cNvPr id="10243" name="Content Placeholder 2"/>
-          <p:cNvSpPr>
-            <a:spLocks noGrp="1"/>
-          </p:cNvSpPr>
-          <p:nvPr>
-            <p:ph idx="1"/>
-          </p:nvPr>
-        </p:nvSpPr>
-        <p:spPr/>
-        <p:txBody>
-          <a:bodyPr/>
-          <a:lstStyle/>
-          <a:p>
-            <a:r>
-              <a:rPr lang="en-US" dirty="0" smtClean="0"/>
-              <a:t>Infographic will be based on Key Performance Indicator (KPI) data from SQL database</a:t>
-            </a:r>
-          </a:p>
-          <a:p>
-            <a:r>
-              <a:rPr lang="en-US" dirty="0" smtClean="0"/>
-              <a:t>Each infographic written in HTML5 and JavaScript</a:t>
-            </a:r>
-          </a:p>
-          <a:p>
-            <a:r>
-              <a:rPr lang="en-US" dirty="0" smtClean="0"/>
-              <a:t>Supported on iPad via Safari</a:t>
-            </a:r>
-          </a:p>
-          <a:p>
-            <a:r>
-              <a:rPr lang="en-US" dirty="0" smtClean="0"/>
-              <a:t>Pass database information to infographic via XML file</a:t>
-            </a:r>
-          </a:p>
-          <a:p>
-            <a:endParaRPr lang="en-US" dirty="0" smtClean="0"/>
-          </a:p>
-          <a:p>
-            <a:endParaRPr lang="en-US" dirty="0" smtClean="0"/>
-          </a:p>
-        </p:txBody>
-      </p:sp>
-      <p:sp>
-        <p:nvSpPr>
-          <p:cNvPr id="5" name="Date Placeholder 4"/>
-          <p:cNvSpPr>
-            <a:spLocks noGrp="1"/>
-          </p:cNvSpPr>
-          <p:nvPr>
-            <p:ph type="dt" sz="half" idx="10"/>
-          </p:nvPr>
-        </p:nvSpPr>
-        <p:spPr/>
-        <p:txBody>
-          <a:bodyPr/>
-          <a:lstStyle/>
-          <a:p>
-            <a:r>
-              <a:rPr lang="en-US" dirty="0" smtClean="0"/>
-              <a:t>The Capstone Experience</a:t>
-            </a:r>
-            <a:endParaRPr lang="en-US" dirty="0"/>
-          </a:p>
-        </p:txBody>
-      </p:sp>
-      <p:sp>
-        <p:nvSpPr>
-          <p:cNvPr id="6" name="Footer Placeholder 5"/>
-          <p:cNvSpPr>
-            <a:spLocks noGrp="1"/>
-          </p:cNvSpPr>
-          <p:nvPr>
-            <p:ph type="ftr" sz="quarter" idx="11"/>
-          </p:nvPr>
-        </p:nvSpPr>
-        <p:spPr>
-          <a:xfrm>
-            <a:off x="2590800" y="6492875"/>
-            <a:ext cx="4419600" cy="365125"/>
-          </a:xfrm>
-        </p:spPr>
-        <p:txBody>
-          <a:bodyPr/>
-          <a:lstStyle/>
-          <a:p>
-            <a:r>
-              <a:rPr lang="en-US" dirty="0" smtClean="0"/>
-              <a:t>Team Urban Science Project Plan</a:t>
-            </a:r>
-            <a:endParaRPr lang="en-US" dirty="0"/>
-          </a:p>
-        </p:txBody>
-      </p:sp>
-      <p:sp>
-        <p:nvSpPr>
-          <p:cNvPr id="7" name="Slide Number Placeholder 6"/>
-          <p:cNvSpPr>
-            <a:spLocks noGrp="1"/>
-          </p:cNvSpPr>
-          <p:nvPr>
-            <p:ph type="sldNum" sz="quarter" idx="12"/>
-          </p:nvPr>
-        </p:nvSpPr>
-        <p:spPr/>
-        <p:txBody>
-          <a:bodyPr/>
-          <a:lstStyle/>
-          <a:p>
-            <a:fld id="{B6F15528-21DE-4FAA-801E-634DDDAF4B2B}" type="slidenum">
-              <a:rPr lang="en-US" smtClean="0"/>
-              <a:pPr/>
-              <a:t>9</a:t>
-            </a:fld>
-            <a:endParaRPr lang="en-US" dirty="0"/>
-          </a:p>
-        </p:txBody>
-      </p:sp>
-    </p:spTree>
-    <p:extLst>
-      <p:ext uri="{BB962C8B-B14F-4D97-AF65-F5344CB8AC3E}">
-        <p14:creationId xmlns="" xmlns:p14="http://schemas.microsoft.com/office/powerpoint/2010/main" val="3021871041"/>
       </p:ext>
     </p:extLst>
   </p:cSld>
